--- a/reference_content/Slides/simple_nn_basics.pptx
+++ b/reference_content/Slides/simple_nn_basics.pptx
@@ -25,24 +25,26 @@
     <p:sldId id="291" r:id="rId19"/>
     <p:sldId id="279" r:id="rId20"/>
     <p:sldId id="265" r:id="rId21"/>
-    <p:sldId id="281" r:id="rId22"/>
-    <p:sldId id="287" r:id="rId23"/>
-    <p:sldId id="280" r:id="rId24"/>
-    <p:sldId id="288" r:id="rId25"/>
-    <p:sldId id="300" r:id="rId26"/>
-    <p:sldId id="282" r:id="rId27"/>
-    <p:sldId id="283" r:id="rId28"/>
-    <p:sldId id="284" r:id="rId29"/>
-    <p:sldId id="293" r:id="rId30"/>
-    <p:sldId id="295" r:id="rId31"/>
-    <p:sldId id="294" r:id="rId32"/>
-    <p:sldId id="289" r:id="rId33"/>
-    <p:sldId id="290" r:id="rId34"/>
-    <p:sldId id="292" r:id="rId35"/>
-    <p:sldId id="269" r:id="rId36"/>
-    <p:sldId id="272" r:id="rId37"/>
-    <p:sldId id="274" r:id="rId38"/>
-    <p:sldId id="285" r:id="rId39"/>
+    <p:sldId id="301" r:id="rId22"/>
+    <p:sldId id="281" r:id="rId23"/>
+    <p:sldId id="302" r:id="rId24"/>
+    <p:sldId id="287" r:id="rId25"/>
+    <p:sldId id="280" r:id="rId26"/>
+    <p:sldId id="288" r:id="rId27"/>
+    <p:sldId id="300" r:id="rId28"/>
+    <p:sldId id="282" r:id="rId29"/>
+    <p:sldId id="283" r:id="rId30"/>
+    <p:sldId id="284" r:id="rId31"/>
+    <p:sldId id="293" r:id="rId32"/>
+    <p:sldId id="295" r:id="rId33"/>
+    <p:sldId id="294" r:id="rId34"/>
+    <p:sldId id="289" r:id="rId35"/>
+    <p:sldId id="290" r:id="rId36"/>
+    <p:sldId id="292" r:id="rId37"/>
+    <p:sldId id="269" r:id="rId38"/>
+    <p:sldId id="272" r:id="rId39"/>
+    <p:sldId id="274" r:id="rId40"/>
+    <p:sldId id="285" r:id="rId41"/>
   </p:sldIdLst>
   <p:sldSz cx="12192000" cy="6858000"/>
   <p:notesSz cx="6858000" cy="9144000"/>
@@ -182,7 +184,9 @@
           <p14:sldIdLst>
             <p14:sldId id="279"/>
             <p14:sldId id="265"/>
+            <p14:sldId id="301"/>
             <p14:sldId id="281"/>
+            <p14:sldId id="302"/>
             <p14:sldId id="287"/>
           </p14:sldIdLst>
         </p14:section>
@@ -366,7 +370,7 @@
           <a:p>
             <a:fld id="{AFCFCE2D-6B28-0D44-AC18-4552BB8421D3}" type="datetimeFigureOut">
               <a:rPr lang="en-US" smtClean="0"/>
-              <a:t>3/14/23</a:t>
+              <a:t>3/26/24</a:t>
             </a:fld>
             <a:endParaRPr lang="en-US"/>
           </a:p>
@@ -577,7 +581,7 @@
           <a:p>
             <a:fld id="{AFCFCE2D-6B28-0D44-AC18-4552BB8421D3}" type="datetimeFigureOut">
               <a:rPr lang="en-US" smtClean="0"/>
-              <a:t>3/14/23</a:t>
+              <a:t>3/26/24</a:t>
             </a:fld>
             <a:endParaRPr lang="en-US"/>
           </a:p>
@@ -792,7 +796,7 @@
           <a:p>
             <a:fld id="{AFCFCE2D-6B28-0D44-AC18-4552BB8421D3}" type="datetimeFigureOut">
               <a:rPr lang="en-US" smtClean="0"/>
-              <a:t>3/14/23</a:t>
+              <a:t>3/26/24</a:t>
             </a:fld>
             <a:endParaRPr lang="en-US"/>
           </a:p>
@@ -993,7 +997,7 @@
           <a:p>
             <a:fld id="{AFCFCE2D-6B28-0D44-AC18-4552BB8421D3}" type="datetimeFigureOut">
               <a:rPr lang="en-US" smtClean="0"/>
-              <a:t>3/14/23</a:t>
+              <a:t>3/26/24</a:t>
             </a:fld>
             <a:endParaRPr lang="en-US"/>
           </a:p>
@@ -1272,7 +1276,7 @@
           <a:p>
             <a:fld id="{AFCFCE2D-6B28-0D44-AC18-4552BB8421D3}" type="datetimeFigureOut">
               <a:rPr lang="en-US" smtClean="0"/>
-              <a:t>3/14/23</a:t>
+              <a:t>3/26/24</a:t>
             </a:fld>
             <a:endParaRPr lang="en-US"/>
           </a:p>
@@ -1540,7 +1544,7 @@
           <a:p>
             <a:fld id="{AFCFCE2D-6B28-0D44-AC18-4552BB8421D3}" type="datetimeFigureOut">
               <a:rPr lang="en-US" smtClean="0"/>
-              <a:t>3/14/23</a:t>
+              <a:t>3/26/24</a:t>
             </a:fld>
             <a:endParaRPr lang="en-US"/>
           </a:p>
@@ -1956,7 +1960,7 @@
           <a:p>
             <a:fld id="{AFCFCE2D-6B28-0D44-AC18-4552BB8421D3}" type="datetimeFigureOut">
               <a:rPr lang="en-US" smtClean="0"/>
-              <a:t>3/14/23</a:t>
+              <a:t>3/26/24</a:t>
             </a:fld>
             <a:endParaRPr lang="en-US"/>
           </a:p>
@@ -2105,7 +2109,7 @@
           <a:p>
             <a:fld id="{AFCFCE2D-6B28-0D44-AC18-4552BB8421D3}" type="datetimeFigureOut">
               <a:rPr lang="en-US" smtClean="0"/>
-              <a:t>3/14/23</a:t>
+              <a:t>3/26/24</a:t>
             </a:fld>
             <a:endParaRPr lang="en-US"/>
           </a:p>
@@ -2231,7 +2235,7 @@
           <a:p>
             <a:fld id="{AFCFCE2D-6B28-0D44-AC18-4552BB8421D3}" type="datetimeFigureOut">
               <a:rPr lang="en-US" smtClean="0"/>
-              <a:t>3/14/23</a:t>
+              <a:t>3/26/24</a:t>
             </a:fld>
             <a:endParaRPr lang="en-US"/>
           </a:p>
@@ -2482,7 +2486,7 @@
           <a:p>
             <a:fld id="{AFCFCE2D-6B28-0D44-AC18-4552BB8421D3}" type="datetimeFigureOut">
               <a:rPr lang="en-US" smtClean="0"/>
-              <a:t>3/14/23</a:t>
+              <a:t>3/26/24</a:t>
             </a:fld>
             <a:endParaRPr lang="en-US"/>
           </a:p>
@@ -2927,7 +2931,7 @@
           <a:p>
             <a:fld id="{AFCFCE2D-6B28-0D44-AC18-4552BB8421D3}" type="datetimeFigureOut">
               <a:rPr lang="en-US" smtClean="0"/>
-              <a:t>3/14/23</a:t>
+              <a:t>3/26/24</a:t>
             </a:fld>
             <a:endParaRPr lang="en-US"/>
           </a:p>
@@ -3254,7 +3258,7 @@
           <a:p>
             <a:fld id="{AFCFCE2D-6B28-0D44-AC18-4552BB8421D3}" type="datetimeFigureOut">
               <a:rPr lang="en-US" smtClean="0"/>
-              <a:t>3/14/23</a:t>
+              <a:t>3/26/24</a:t>
             </a:fld>
             <a:endParaRPr lang="en-US"/>
           </a:p>
@@ -3789,7 +3793,10 @@
           <a:bodyPr/>
           <a:lstStyle/>
           <a:p>
-            <a:endParaRPr lang="en-US" dirty="0"/>
+            <a:r>
+              <a:rPr lang="en-US" dirty="0"/>
+              <a:t>Today – intro to neural networks. </a:t>
+            </a:r>
           </a:p>
         </p:txBody>
       </p:sp>
@@ -5698,7 +5705,7 @@
           <p:cNvPr id="2" name="Title 1">
             <a:extLst>
               <a:ext uri="{FF2B5EF4-FFF2-40B4-BE49-F238E27FC236}">
-                <a16:creationId xmlns:a16="http://schemas.microsoft.com/office/drawing/2014/main" id="{8CC841CB-B1EA-0949-A420-2728EE4A06B8}"/>
+                <a16:creationId xmlns:a16="http://schemas.microsoft.com/office/drawing/2014/main" id="{87678202-BE55-0CEB-5171-90F9C8027483}"/>
               </a:ext>
             </a:extLst>
           </p:cNvPr>
@@ -5714,10 +5721,7 @@
           <a:bodyPr/>
           <a:lstStyle/>
           <a:p>
-            <a:r>
-              <a:rPr lang="en-US" dirty="0"/>
-              <a:t>Neural Network Structure: Layers</a:t>
-            </a:r>
+            <a:endParaRPr lang="en-US"/>
           </a:p>
         </p:txBody>
       </p:sp>
@@ -5726,7 +5730,7 @@
           <p:cNvPr id="3" name="Content Placeholder 2">
             <a:extLst>
               <a:ext uri="{FF2B5EF4-FFF2-40B4-BE49-F238E27FC236}">
-                <a16:creationId xmlns:a16="http://schemas.microsoft.com/office/drawing/2014/main" id="{1DEEEF1D-795E-6A4A-B7F8-ECC9AE9B421D}"/>
+                <a16:creationId xmlns:a16="http://schemas.microsoft.com/office/drawing/2014/main" id="{473FCC4A-33EC-AD6C-DCC5-8C47384CCD98}"/>
               </a:ext>
             </a:extLst>
           </p:cNvPr>
@@ -5737,98 +5741,66 @@
             <p:ph idx="1"/>
           </p:nvPr>
         </p:nvSpPr>
-        <p:spPr>
-          <a:xfrm>
-            <a:off x="423747" y="2015732"/>
-            <a:ext cx="11452302" cy="4037749"/>
-          </a:xfrm>
+        <p:spPr/>
+        <p:txBody>
+          <a:bodyPr/>
+          <a:lstStyle/>
+          <a:p>
+            <a:endParaRPr lang="en-US"/>
+          </a:p>
+        </p:txBody>
+      </p:sp>
+      <p:pic>
+        <p:nvPicPr>
+          <p:cNvPr id="1026" name="Picture 2" descr="python - How to view the intermediate layers of a keras model? - Stack  Overflow">
+            <a:extLst>
+              <a:ext uri="{FF2B5EF4-FFF2-40B4-BE49-F238E27FC236}">
+                <a16:creationId xmlns:a16="http://schemas.microsoft.com/office/drawing/2014/main" id="{01EA3996-5717-F52E-4AA3-B0CE9648AC4E}"/>
+              </a:ext>
+            </a:extLst>
+          </p:cNvPr>
+          <p:cNvPicPr>
+            <a:picLocks noChangeAspect="1" noChangeArrowheads="1"/>
+          </p:cNvPicPr>
+          <p:nvPr/>
+        </p:nvPicPr>
+        <p:blipFill>
+          <a:blip r:embed="rId2">
+            <a:extLst>
+              <a:ext uri="{28A0092B-C50C-407E-A947-70E740481C1C}">
+                <a14:useLocalDpi xmlns:a14="http://schemas.microsoft.com/office/drawing/2010/main" val="0"/>
+              </a:ext>
+            </a:extLst>
+          </a:blip>
+          <a:srcRect/>
+          <a:stretch>
+            <a:fillRect/>
+          </a:stretch>
+        </p:blipFill>
+        <p:spPr bwMode="auto">
+          <a:xfrm>
+            <a:off x="0" y="0"/>
+            <a:ext cx="12192000" cy="6858000"/>
+          </a:xfrm>
+          <a:prstGeom prst="rect">
+            <a:avLst/>
+          </a:prstGeom>
+          <a:noFill/>
+          <a:extLst>
+            <a:ext uri="{909E8E84-426E-40DD-AFC4-6F175D3DCCD1}">
+              <a14:hiddenFill xmlns:a14="http://schemas.microsoft.com/office/drawing/2010/main">
+                <a:solidFill>
+                  <a:srgbClr val="FFFFFF"/>
+                </a:solidFill>
+              </a14:hiddenFill>
+            </a:ext>
+          </a:extLst>
         </p:spPr>
-        <p:txBody>
-          <a:bodyPr>
-            <a:normAutofit lnSpcReduction="10000"/>
-          </a:bodyPr>
-          <a:lstStyle/>
-          <a:p>
-            <a:r>
-              <a:rPr lang="en-US" dirty="0"/>
-              <a:t>Each layer does “a thing”. Most layers perform one set of the neuron calculations above. </a:t>
-            </a:r>
-          </a:p>
-          <a:p>
-            <a:pPr lvl="1"/>
-            <a:r>
-              <a:rPr lang="en-US" dirty="0"/>
-              <a:t>Middle layers are called “hidden layers”. </a:t>
-            </a:r>
-          </a:p>
-          <a:p>
-            <a:r>
-              <a:rPr lang="en-US" dirty="0"/>
-              <a:t>There are other layers that can do other stuff as well:</a:t>
-            </a:r>
-          </a:p>
-          <a:p>
-            <a:pPr lvl="1"/>
-            <a:r>
-              <a:rPr lang="en-US" dirty="0"/>
-              <a:t>E.g. normalization, regularization, flattening, </a:t>
-            </a:r>
-            <a:r>
-              <a:rPr lang="en-US" dirty="0" err="1"/>
-              <a:t>etc</a:t>
-            </a:r>
-            <a:r>
-              <a:rPr lang="en-US" dirty="0"/>
-              <a:t>…</a:t>
-            </a:r>
-          </a:p>
-          <a:p>
-            <a:pPr lvl="1"/>
-            <a:r>
-              <a:rPr lang="en-US" dirty="0"/>
-              <a:t>We generally aren’t referring to these when talking about the NN’s calculation execution. </a:t>
-            </a:r>
-          </a:p>
-          <a:p>
-            <a:r>
-              <a:rPr lang="en-US" dirty="0"/>
-              <a:t>The number of layers and the number of neurons in each layer are configurable. </a:t>
-            </a:r>
-          </a:p>
-          <a:p>
-            <a:pPr lvl="1"/>
-            <a:r>
-              <a:rPr lang="en-US" dirty="0"/>
-              <a:t>The number of neurons a NN has is it’s capacity. Larger capacity networks can model more complex relationships. </a:t>
-            </a:r>
-          </a:p>
-          <a:p>
-            <a:pPr lvl="1"/>
-            <a:r>
-              <a:rPr lang="en-US" dirty="0"/>
-              <a:t>Number of neurons is the width, number of layers is the depth. </a:t>
-            </a:r>
-          </a:p>
-          <a:p>
-            <a:pPr lvl="1"/>
-            <a:r>
-              <a:rPr lang="en-US" dirty="0"/>
-              <a:t>“Proper” size of a network is an open question. We’ll look at some guidelines later. </a:t>
-            </a:r>
-          </a:p>
-          <a:p>
-            <a:pPr lvl="1"/>
-            <a:r>
-              <a:rPr lang="en-US" dirty="0"/>
-              <a:t>For the moment, try hidden 2-4 layers, each with the same # of neurons as features. </a:t>
-            </a:r>
-          </a:p>
-        </p:txBody>
-      </p:sp>
+      </p:pic>
     </p:spTree>
     <p:extLst>
       <p:ext uri="{BB962C8B-B14F-4D97-AF65-F5344CB8AC3E}">
-        <p14:creationId xmlns:p14="http://schemas.microsoft.com/office/powerpoint/2010/main" val="2119585338"/>
+        <p14:creationId xmlns:p14="http://schemas.microsoft.com/office/powerpoint/2010/main" val="1342510314"/>
       </p:ext>
     </p:extLst>
   </p:cSld>
@@ -5860,7 +5832,7 @@
           <p:cNvPr id="2" name="Title 1">
             <a:extLst>
               <a:ext uri="{FF2B5EF4-FFF2-40B4-BE49-F238E27FC236}">
-                <a16:creationId xmlns:a16="http://schemas.microsoft.com/office/drawing/2014/main" id="{FC7216EF-C36D-805B-B6EB-9096F0BF5F28}"/>
+                <a16:creationId xmlns:a16="http://schemas.microsoft.com/office/drawing/2014/main" id="{8CC841CB-B1EA-0949-A420-2728EE4A06B8}"/>
               </a:ext>
             </a:extLst>
           </p:cNvPr>
@@ -5878,7 +5850,7 @@
           <a:p>
             <a:r>
               <a:rPr lang="en-US" dirty="0"/>
-              <a:t>Key Layers</a:t>
+              <a:t>Neural Network Structure: Layers</a:t>
             </a:r>
           </a:p>
         </p:txBody>
@@ -5888,7 +5860,7 @@
           <p:cNvPr id="3" name="Content Placeholder 2">
             <a:extLst>
               <a:ext uri="{FF2B5EF4-FFF2-40B4-BE49-F238E27FC236}">
-                <a16:creationId xmlns:a16="http://schemas.microsoft.com/office/drawing/2014/main" id="{6D713A12-6CB7-07E2-2CB0-A60B620D7591}"/>
+                <a16:creationId xmlns:a16="http://schemas.microsoft.com/office/drawing/2014/main" id="{1DEEEF1D-795E-6A4A-B7F8-ECC9AE9B421D}"/>
               </a:ext>
             </a:extLst>
           </p:cNvPr>
@@ -5901,88 +5873,88 @@
         </p:nvSpPr>
         <p:spPr>
           <a:xfrm>
-            <a:off x="1070516" y="1853754"/>
-            <a:ext cx="10636801" cy="4199727"/>
+            <a:off x="423747" y="2015732"/>
+            <a:ext cx="11452302" cy="4037749"/>
           </a:xfrm>
         </p:spPr>
         <p:txBody>
           <a:bodyPr>
-            <a:normAutofit/>
+            <a:normAutofit lnSpcReduction="10000"/>
           </a:bodyPr>
           <a:lstStyle/>
           <a:p>
             <a:r>
               <a:rPr lang="en-US" dirty="0"/>
-              <a:t>While a neural network can have any number of layers, two are standard. </a:t>
-            </a:r>
-          </a:p>
-          <a:p>
-            <a:r>
-              <a:rPr lang="en-US" dirty="0"/>
-              <a:t>Input layer – takes in the original data, so it accommodates the number of features in the data. </a:t>
-            </a:r>
-          </a:p>
-          <a:p>
-            <a:pPr lvl="1"/>
-            <a:r>
-              <a:rPr lang="en-US" dirty="0"/>
-              <a:t>Note: prep steps like encoding or imputing may be done before or with other layers. </a:t>
-            </a:r>
-          </a:p>
-          <a:p>
-            <a:pPr lvl="1"/>
-            <a:r>
-              <a:rPr lang="en-US" dirty="0"/>
-              <a:t>For later - the input can accept data that is in 2 or more dimensions. </a:t>
-            </a:r>
-          </a:p>
-          <a:p>
-            <a:r>
-              <a:rPr lang="en-US" dirty="0"/>
-              <a:t>Output layer – produces the final output our prediction needs (rules-of-thumb):</a:t>
-            </a:r>
-          </a:p>
-          <a:p>
-            <a:pPr lvl="1"/>
-            <a:r>
-              <a:rPr lang="en-US" dirty="0"/>
-              <a:t>Regression – linear or no activation function. 1 output neuron. </a:t>
-            </a:r>
-          </a:p>
-          <a:p>
-            <a:pPr lvl="1"/>
-            <a:r>
-              <a:rPr lang="en-US" dirty="0"/>
-              <a:t>Classification – sigmoid activation function. 1 output neuron. </a:t>
-            </a:r>
-          </a:p>
-          <a:p>
-            <a:pPr lvl="1"/>
-            <a:r>
-              <a:rPr lang="en-US" dirty="0"/>
-              <a:t>Multiclass Classification – </a:t>
+              <a:t>Each layer does “a thing”. Most layers perform one set of the neuron calculations above. </a:t>
+            </a:r>
+          </a:p>
+          <a:p>
+            <a:pPr lvl="1"/>
+            <a:r>
+              <a:rPr lang="en-US" dirty="0"/>
+              <a:t>Middle layers are called “hidden layers”. </a:t>
+            </a:r>
+          </a:p>
+          <a:p>
+            <a:r>
+              <a:rPr lang="en-US" dirty="0"/>
+              <a:t>There are other layers that can do other stuff as well:</a:t>
+            </a:r>
+          </a:p>
+          <a:p>
+            <a:pPr lvl="1"/>
+            <a:r>
+              <a:rPr lang="en-US" dirty="0"/>
+              <a:t>E.g. normalization, regularization, flattening, </a:t>
             </a:r>
             <a:r>
               <a:rPr lang="en-US" dirty="0" err="1"/>
-              <a:t>softmax</a:t>
-            </a:r>
-            <a:r>
-              <a:rPr lang="en-US" dirty="0"/>
-              <a:t> activation function. N-classes output neuron. </a:t>
-            </a:r>
-          </a:p>
-          <a:p>
-            <a:pPr lvl="1"/>
-            <a:r>
-              <a:rPr lang="en-US" dirty="0"/>
-              <a:t>Multilabel – sigmoid activation function. 1 output neuron per class. </a:t>
-            </a:r>
-          </a:p>
-          <a:p>
-            <a:pPr lvl="1"/>
-            <a:r>
-              <a:rPr lang="en-US" dirty="0"/>
-              <a:t>Translates the current value of the output into an actual prediction. (Equivalent to sigmoid in log reg)</a:t>
+              <a:t>etc</a:t>
+            </a:r>
+            <a:r>
+              <a:rPr lang="en-US" dirty="0"/>
+              <a:t>…</a:t>
+            </a:r>
+          </a:p>
+          <a:p>
+            <a:pPr lvl="1"/>
+            <a:r>
+              <a:rPr lang="en-US" dirty="0"/>
+              <a:t>We generally aren’t referring to these when talking about the NN’s calculation execution. </a:t>
+            </a:r>
+          </a:p>
+          <a:p>
+            <a:r>
+              <a:rPr lang="en-US" dirty="0"/>
+              <a:t>The number of layers and the number of neurons in each layer are configurable. </a:t>
+            </a:r>
+          </a:p>
+          <a:p>
+            <a:pPr lvl="1"/>
+            <a:r>
+              <a:rPr lang="en-US" dirty="0"/>
+              <a:t>The number of neurons a NN has is it’s capacity. Larger capacity networks can model more complex relationships. </a:t>
+            </a:r>
+          </a:p>
+          <a:p>
+            <a:pPr lvl="1"/>
+            <a:r>
+              <a:rPr lang="en-US" dirty="0"/>
+              <a:t>Number of neurons is the width, number of layers is the depth. </a:t>
+            </a:r>
+          </a:p>
+          <a:p>
+            <a:pPr lvl="1"/>
+            <a:r>
+              <a:rPr lang="en-US" dirty="0"/>
+              <a:t>“Proper” size of a network is an open question. We’ll look at some guidelines later. </a:t>
+            </a:r>
+          </a:p>
+          <a:p>
+            <a:pPr lvl="1"/>
+            <a:r>
+              <a:rPr lang="en-US" dirty="0"/>
+              <a:t>For the moment, try hidden 2-4 layers, each with the same # of neurons as features. </a:t>
             </a:r>
           </a:p>
         </p:txBody>
@@ -5990,7 +5962,7 @@
     </p:spTree>
     <p:extLst>
       <p:ext uri="{BB962C8B-B14F-4D97-AF65-F5344CB8AC3E}">
-        <p14:creationId xmlns:p14="http://schemas.microsoft.com/office/powerpoint/2010/main" val="1010373324"/>
+        <p14:creationId xmlns:p14="http://schemas.microsoft.com/office/powerpoint/2010/main" val="2119585338"/>
       </p:ext>
     </p:extLst>
   </p:cSld>
@@ -6022,6 +5994,327 @@
           <p:cNvPr id="2" name="Title 1">
             <a:extLst>
               <a:ext uri="{FF2B5EF4-FFF2-40B4-BE49-F238E27FC236}">
+                <a16:creationId xmlns:a16="http://schemas.microsoft.com/office/drawing/2014/main" id="{B1194EC0-FEB4-0154-56F9-3426F26F7528}"/>
+              </a:ext>
+            </a:extLst>
+          </p:cNvPr>
+          <p:cNvSpPr>
+            <a:spLocks noGrp="1"/>
+          </p:cNvSpPr>
+          <p:nvPr>
+            <p:ph type="title"/>
+          </p:nvPr>
+        </p:nvSpPr>
+        <p:spPr/>
+        <p:txBody>
+          <a:bodyPr/>
+          <a:lstStyle/>
+          <a:p>
+            <a:r>
+              <a:rPr lang="en-US" dirty="0"/>
+              <a:t>Learning Layers</a:t>
+            </a:r>
+          </a:p>
+        </p:txBody>
+      </p:sp>
+      <p:sp>
+        <p:nvSpPr>
+          <p:cNvPr id="3" name="Content Placeholder 2">
+            <a:extLst>
+              <a:ext uri="{FF2B5EF4-FFF2-40B4-BE49-F238E27FC236}">
+                <a16:creationId xmlns:a16="http://schemas.microsoft.com/office/drawing/2014/main" id="{3C8E36E4-EA6B-1C73-F6A4-2E2B2134280F}"/>
+              </a:ext>
+            </a:extLst>
+          </p:cNvPr>
+          <p:cNvSpPr>
+            <a:spLocks noGrp="1"/>
+          </p:cNvSpPr>
+          <p:nvPr>
+            <p:ph idx="1"/>
+          </p:nvPr>
+        </p:nvSpPr>
+        <p:spPr>
+          <a:xfrm>
+            <a:off x="1451579" y="1853754"/>
+            <a:ext cx="9603275" cy="4199727"/>
+          </a:xfrm>
+        </p:spPr>
+        <p:txBody>
+          <a:bodyPr/>
+          <a:lstStyle/>
+          <a:p>
+            <a:r>
+              <a:rPr lang="en-US" dirty="0"/>
+              <a:t>This is easier to picture with image classification, but each layer “sees” the data differently. </a:t>
+            </a:r>
+          </a:p>
+          <a:p>
+            <a:pPr lvl="1"/>
+            <a:r>
+              <a:rPr lang="en-US" dirty="0"/>
+              <a:t>Each layer gets a different transformation of the data. </a:t>
+            </a:r>
+          </a:p>
+          <a:p>
+            <a:r>
+              <a:rPr lang="en-US" dirty="0"/>
+              <a:t>Each layer is learning from the representation it sees, and the weights are updated to minimize error. </a:t>
+            </a:r>
+          </a:p>
+          <a:p>
+            <a:pPr lvl="1"/>
+            <a:r>
+              <a:rPr lang="en-US" dirty="0"/>
+              <a:t>Each layer is learning what representation of the data helps at that point. </a:t>
+            </a:r>
+          </a:p>
+          <a:p>
+            <a:pPr lvl="1"/>
+            <a:r>
+              <a:rPr lang="en-US" dirty="0"/>
+              <a:t>The layers are dependent of those before them, so they are adapting to those changes too. </a:t>
+            </a:r>
+          </a:p>
+          <a:p>
+            <a:pPr lvl="1"/>
+            <a:r>
+              <a:rPr lang="en-US" dirty="0"/>
+              <a:t>Each layer does a “boosting-</a:t>
+            </a:r>
+            <a:r>
+              <a:rPr lang="en-US" dirty="0" err="1"/>
+              <a:t>ish</a:t>
+            </a:r>
+            <a:r>
+              <a:rPr lang="en-US" dirty="0"/>
+              <a:t>” transformation to make the model better. </a:t>
+            </a:r>
+          </a:p>
+          <a:p>
+            <a:pPr lvl="1"/>
+            <a:r>
+              <a:rPr lang="en-US" dirty="0"/>
+              <a:t>We can think of these layers as generating new features for the next layer </a:t>
+            </a:r>
+            <a:r>
+              <a:rPr lang="en-US"/>
+              <a:t>to predict. </a:t>
+            </a:r>
+            <a:endParaRPr lang="en-US" dirty="0"/>
+          </a:p>
+          <a:p>
+            <a:r>
+              <a:rPr lang="en-US" dirty="0"/>
+              <a:t>This ability to adapt, and adapt to the adaptations, makes neural networks very good at complex tasks like images, video, genetics, sound, </a:t>
+            </a:r>
+            <a:r>
+              <a:rPr lang="en-US" dirty="0" err="1"/>
+              <a:t>etc</a:t>
+            </a:r>
+            <a:r>
+              <a:rPr lang="en-US" dirty="0"/>
+              <a:t>…</a:t>
+            </a:r>
+          </a:p>
+        </p:txBody>
+      </p:sp>
+    </p:spTree>
+    <p:extLst>
+      <p:ext uri="{BB962C8B-B14F-4D97-AF65-F5344CB8AC3E}">
+        <p14:creationId xmlns:p14="http://schemas.microsoft.com/office/powerpoint/2010/main" val="55668522"/>
+      </p:ext>
+    </p:extLst>
+  </p:cSld>
+  <p:clrMapOvr>
+    <a:masterClrMapping/>
+  </p:clrMapOvr>
+</p:sld>
+</file>
+
+<file path=ppt/slides/slide24.xml><?xml version="1.0" encoding="utf-8"?>
+<p:sld xmlns:a="http://schemas.openxmlformats.org/drawingml/2006/main" xmlns:r="http://schemas.openxmlformats.org/officeDocument/2006/relationships" xmlns:p="http://schemas.openxmlformats.org/presentationml/2006/main">
+  <p:cSld>
+    <p:spTree>
+      <p:nvGrpSpPr>
+        <p:cNvPr id="1" name=""/>
+        <p:cNvGrpSpPr/>
+        <p:nvPr/>
+      </p:nvGrpSpPr>
+      <p:grpSpPr>
+        <a:xfrm>
+          <a:off x="0" y="0"/>
+          <a:ext cx="0" cy="0"/>
+          <a:chOff x="0" y="0"/>
+          <a:chExt cx="0" cy="0"/>
+        </a:xfrm>
+      </p:grpSpPr>
+      <p:sp>
+        <p:nvSpPr>
+          <p:cNvPr id="2" name="Title 1">
+            <a:extLst>
+              <a:ext uri="{FF2B5EF4-FFF2-40B4-BE49-F238E27FC236}">
+                <a16:creationId xmlns:a16="http://schemas.microsoft.com/office/drawing/2014/main" id="{FC7216EF-C36D-805B-B6EB-9096F0BF5F28}"/>
+              </a:ext>
+            </a:extLst>
+          </p:cNvPr>
+          <p:cNvSpPr>
+            <a:spLocks noGrp="1"/>
+          </p:cNvSpPr>
+          <p:nvPr>
+            <p:ph type="title"/>
+          </p:nvPr>
+        </p:nvSpPr>
+        <p:spPr/>
+        <p:txBody>
+          <a:bodyPr/>
+          <a:lstStyle/>
+          <a:p>
+            <a:r>
+              <a:rPr lang="en-US" dirty="0"/>
+              <a:t>Key Layers</a:t>
+            </a:r>
+          </a:p>
+        </p:txBody>
+      </p:sp>
+      <p:sp>
+        <p:nvSpPr>
+          <p:cNvPr id="3" name="Content Placeholder 2">
+            <a:extLst>
+              <a:ext uri="{FF2B5EF4-FFF2-40B4-BE49-F238E27FC236}">
+                <a16:creationId xmlns:a16="http://schemas.microsoft.com/office/drawing/2014/main" id="{6D713A12-6CB7-07E2-2CB0-A60B620D7591}"/>
+              </a:ext>
+            </a:extLst>
+          </p:cNvPr>
+          <p:cNvSpPr>
+            <a:spLocks noGrp="1"/>
+          </p:cNvSpPr>
+          <p:nvPr>
+            <p:ph idx="1"/>
+          </p:nvPr>
+        </p:nvSpPr>
+        <p:spPr>
+          <a:xfrm>
+            <a:off x="1070516" y="1853754"/>
+            <a:ext cx="10636801" cy="4199727"/>
+          </a:xfrm>
+        </p:spPr>
+        <p:txBody>
+          <a:bodyPr>
+            <a:normAutofit/>
+          </a:bodyPr>
+          <a:lstStyle/>
+          <a:p>
+            <a:r>
+              <a:rPr lang="en-US" dirty="0"/>
+              <a:t>While a neural network can have any number of layers, two are standard. </a:t>
+            </a:r>
+          </a:p>
+          <a:p>
+            <a:r>
+              <a:rPr lang="en-US" dirty="0"/>
+              <a:t>Input layer – takes in the original data, so it accommodates the number of features in the data. </a:t>
+            </a:r>
+          </a:p>
+          <a:p>
+            <a:pPr lvl="1"/>
+            <a:r>
+              <a:rPr lang="en-US" dirty="0"/>
+              <a:t>Note: prep steps like encoding or imputing may be done before or with other layers. </a:t>
+            </a:r>
+          </a:p>
+          <a:p>
+            <a:pPr lvl="1"/>
+            <a:r>
+              <a:rPr lang="en-US" dirty="0"/>
+              <a:t>For later - the input can accept data that is in 2 or more dimensions. </a:t>
+            </a:r>
+          </a:p>
+          <a:p>
+            <a:r>
+              <a:rPr lang="en-US" dirty="0"/>
+              <a:t>Output layer – produces the final output our prediction needs (rules-of-thumb):</a:t>
+            </a:r>
+          </a:p>
+          <a:p>
+            <a:pPr lvl="1"/>
+            <a:r>
+              <a:rPr lang="en-US" dirty="0"/>
+              <a:t>Regression – linear or no activation function. 1 output neuron. </a:t>
+            </a:r>
+          </a:p>
+          <a:p>
+            <a:pPr lvl="1"/>
+            <a:r>
+              <a:rPr lang="en-US" dirty="0"/>
+              <a:t>Classification – sigmoid activation function. 1 output neuron. </a:t>
+            </a:r>
+          </a:p>
+          <a:p>
+            <a:pPr lvl="1"/>
+            <a:r>
+              <a:rPr lang="en-US" dirty="0"/>
+              <a:t>Multiclass Classification – </a:t>
+            </a:r>
+            <a:r>
+              <a:rPr lang="en-US" dirty="0" err="1"/>
+              <a:t>softmax</a:t>
+            </a:r>
+            <a:r>
+              <a:rPr lang="en-US" dirty="0"/>
+              <a:t> activation function. N-classes output neuron. </a:t>
+            </a:r>
+          </a:p>
+          <a:p>
+            <a:pPr lvl="1"/>
+            <a:r>
+              <a:rPr lang="en-US" dirty="0"/>
+              <a:t>Multilabel – sigmoid activation function. 1 output neuron per class. </a:t>
+            </a:r>
+          </a:p>
+          <a:p>
+            <a:pPr lvl="1"/>
+            <a:r>
+              <a:rPr lang="en-US" dirty="0"/>
+              <a:t>Translates the current value of the output into an actual prediction. (Equivalent to sigmoid in log reg)</a:t>
+            </a:r>
+          </a:p>
+        </p:txBody>
+      </p:sp>
+    </p:spTree>
+    <p:extLst>
+      <p:ext uri="{BB962C8B-B14F-4D97-AF65-F5344CB8AC3E}">
+        <p14:creationId xmlns:p14="http://schemas.microsoft.com/office/powerpoint/2010/main" val="1010373324"/>
+      </p:ext>
+    </p:extLst>
+  </p:cSld>
+  <p:clrMapOvr>
+    <a:masterClrMapping/>
+  </p:clrMapOvr>
+</p:sld>
+</file>
+
+<file path=ppt/slides/slide25.xml><?xml version="1.0" encoding="utf-8"?>
+<p:sld xmlns:a="http://schemas.openxmlformats.org/drawingml/2006/main" xmlns:r="http://schemas.openxmlformats.org/officeDocument/2006/relationships" xmlns:p="http://schemas.openxmlformats.org/presentationml/2006/main">
+  <p:cSld>
+    <p:spTree>
+      <p:nvGrpSpPr>
+        <p:cNvPr id="1" name=""/>
+        <p:cNvGrpSpPr/>
+        <p:nvPr/>
+      </p:nvGrpSpPr>
+      <p:grpSpPr>
+        <a:xfrm>
+          <a:off x="0" y="0"/>
+          <a:ext cx="0" cy="0"/>
+          <a:chOff x="0" y="0"/>
+          <a:chExt cx="0" cy="0"/>
+        </a:xfrm>
+      </p:grpSpPr>
+      <p:sp>
+        <p:nvSpPr>
+          <p:cNvPr id="2" name="Title 1">
+            <a:extLst>
+              <a:ext uri="{FF2B5EF4-FFF2-40B4-BE49-F238E27FC236}">
                 <a16:creationId xmlns:a16="http://schemas.microsoft.com/office/drawing/2014/main" id="{961AAC75-5EB5-E647-BED8-F0680B43FB7E}"/>
               </a:ext>
             </a:extLst>
@@ -6130,8 +6423,13 @@
             <a:pPr lvl="1"/>
             <a:r>
               <a:rPr lang="en-US" b="1" dirty="0"/>
-              <a:t>Introduces non-linearity. </a:t>
-            </a:r>
+              <a:t>Introduces non-linearity, </a:t>
+            </a:r>
+            <a:r>
+              <a:rPr lang="en-US" dirty="0"/>
+              <a:t>otherwise the NN would be a big linear equation. </a:t>
+            </a:r>
+            <a:endParaRPr lang="en-US" b="1" dirty="0"/>
           </a:p>
           <a:p>
             <a:pPr lvl="1"/>
@@ -6197,7 +6495,7 @@
 </p:sld>
 </file>
 
-<file path=ppt/slides/slide24.xml><?xml version="1.0" encoding="utf-8"?>
+<file path=ppt/slides/slide26.xml><?xml version="1.0" encoding="utf-8"?>
 <p:sld xmlns:a="http://schemas.openxmlformats.org/drawingml/2006/main" xmlns:r="http://schemas.openxmlformats.org/officeDocument/2006/relationships" xmlns:p="http://schemas.openxmlformats.org/presentationml/2006/main">
   <p:cSld>
     <p:spTree>
@@ -6323,382 +6621,6 @@
     <p:extLst>
       <p:ext uri="{BB962C8B-B14F-4D97-AF65-F5344CB8AC3E}">
         <p14:creationId xmlns:p14="http://schemas.microsoft.com/office/powerpoint/2010/main" val="3988829107"/>
-      </p:ext>
-    </p:extLst>
-  </p:cSld>
-  <p:clrMapOvr>
-    <a:masterClrMapping/>
-  </p:clrMapOvr>
-</p:sld>
-</file>
-
-<file path=ppt/slides/slide25.xml><?xml version="1.0" encoding="utf-8"?>
-<p:sld xmlns:a="http://schemas.openxmlformats.org/drawingml/2006/main" xmlns:r="http://schemas.openxmlformats.org/officeDocument/2006/relationships" xmlns:p="http://schemas.openxmlformats.org/presentationml/2006/main">
-  <p:cSld>
-    <p:spTree>
-      <p:nvGrpSpPr>
-        <p:cNvPr id="1" name=""/>
-        <p:cNvGrpSpPr/>
-        <p:nvPr/>
-      </p:nvGrpSpPr>
-      <p:grpSpPr>
-        <a:xfrm>
-          <a:off x="0" y="0"/>
-          <a:ext cx="0" cy="0"/>
-          <a:chOff x="0" y="0"/>
-          <a:chExt cx="0" cy="0"/>
-        </a:xfrm>
-      </p:grpSpPr>
-      <p:sp>
-        <p:nvSpPr>
-          <p:cNvPr id="2" name="Title 1">
-            <a:extLst>
-              <a:ext uri="{FF2B5EF4-FFF2-40B4-BE49-F238E27FC236}">
-                <a16:creationId xmlns:a16="http://schemas.microsoft.com/office/drawing/2014/main" id="{C5067A4D-F2C4-2F03-A005-4FAB2D08FEA9}"/>
-              </a:ext>
-            </a:extLst>
-          </p:cNvPr>
-          <p:cNvSpPr>
-            <a:spLocks noGrp="1"/>
-          </p:cNvSpPr>
-          <p:nvPr>
-            <p:ph type="title"/>
-          </p:nvPr>
-        </p:nvSpPr>
-        <p:spPr/>
-        <p:txBody>
-          <a:bodyPr/>
-          <a:lstStyle/>
-          <a:p>
-            <a:endParaRPr lang="en-US"/>
-          </a:p>
-        </p:txBody>
-      </p:sp>
-      <p:sp>
-        <p:nvSpPr>
-          <p:cNvPr id="3" name="Content Placeholder 2">
-            <a:extLst>
-              <a:ext uri="{FF2B5EF4-FFF2-40B4-BE49-F238E27FC236}">
-                <a16:creationId xmlns:a16="http://schemas.microsoft.com/office/drawing/2014/main" id="{927E2D20-E5E6-A51C-E196-0EF54BCF7F0A}"/>
-              </a:ext>
-            </a:extLst>
-          </p:cNvPr>
-          <p:cNvSpPr>
-            <a:spLocks noGrp="1"/>
-          </p:cNvSpPr>
-          <p:nvPr>
-            <p:ph idx="1"/>
-          </p:nvPr>
-        </p:nvSpPr>
-        <p:spPr/>
-        <p:txBody>
-          <a:bodyPr/>
-          <a:lstStyle/>
-          <a:p>
-            <a:endParaRPr lang="en-US"/>
-          </a:p>
-        </p:txBody>
-      </p:sp>
-      <p:pic>
-        <p:nvPicPr>
-          <p:cNvPr id="8194" name="Picture 2" descr="Common activation functions in artificial neural networks (NNs) that... |  Download Scientific Diagram">
-            <a:extLst>
-              <a:ext uri="{FF2B5EF4-FFF2-40B4-BE49-F238E27FC236}">
-                <a16:creationId xmlns:a16="http://schemas.microsoft.com/office/drawing/2014/main" id="{EB0D4770-730A-C490-FA72-66BED175D157}"/>
-              </a:ext>
-            </a:extLst>
-          </p:cNvPr>
-          <p:cNvPicPr>
-            <a:picLocks noChangeAspect="1" noChangeArrowheads="1"/>
-          </p:cNvPicPr>
-          <p:nvPr/>
-        </p:nvPicPr>
-        <p:blipFill>
-          <a:blip r:embed="rId2">
-            <a:extLst>
-              <a:ext uri="{28A0092B-C50C-407E-A947-70E740481C1C}">
-                <a14:useLocalDpi xmlns:a14="http://schemas.microsoft.com/office/drawing/2010/main" val="0"/>
-              </a:ext>
-            </a:extLst>
-          </a:blip>
-          <a:srcRect/>
-          <a:stretch>
-            <a:fillRect/>
-          </a:stretch>
-        </p:blipFill>
-        <p:spPr bwMode="auto">
-          <a:xfrm>
-            <a:off x="1617663" y="0"/>
-            <a:ext cx="8956675" cy="6858000"/>
-          </a:xfrm>
-          <a:prstGeom prst="rect">
-            <a:avLst/>
-          </a:prstGeom>
-          <a:noFill/>
-          <a:extLst>
-            <a:ext uri="{909E8E84-426E-40DD-AFC4-6F175D3DCCD1}">
-              <a14:hiddenFill xmlns:a14="http://schemas.microsoft.com/office/drawing/2010/main">
-                <a:solidFill>
-                  <a:srgbClr val="FFFFFF"/>
-                </a:solidFill>
-              </a14:hiddenFill>
-            </a:ext>
-          </a:extLst>
-        </p:spPr>
-      </p:pic>
-    </p:spTree>
-    <p:extLst>
-      <p:ext uri="{BB962C8B-B14F-4D97-AF65-F5344CB8AC3E}">
-        <p14:creationId xmlns:p14="http://schemas.microsoft.com/office/powerpoint/2010/main" val="1508944528"/>
-      </p:ext>
-    </p:extLst>
-  </p:cSld>
-  <p:clrMapOvr>
-    <a:masterClrMapping/>
-  </p:clrMapOvr>
-</p:sld>
-</file>
-
-<file path=ppt/slides/slide26.xml><?xml version="1.0" encoding="utf-8"?>
-<p:sld xmlns:a="http://schemas.openxmlformats.org/drawingml/2006/main" xmlns:r="http://schemas.openxmlformats.org/officeDocument/2006/relationships" xmlns:p="http://schemas.openxmlformats.org/presentationml/2006/main">
-  <p:cSld>
-    <p:bg>
-      <p:bgPr>
-        <a:gradFill rotWithShape="1">
-          <a:gsLst>
-            <a:gs pos="0">
-              <a:schemeClr val="bg2">
-                <a:tint val="94000"/>
-                <a:satMod val="80000"/>
-                <a:lumMod val="106000"/>
-              </a:schemeClr>
-            </a:gs>
-            <a:gs pos="100000">
-              <a:schemeClr val="bg2">
-                <a:shade val="80000"/>
-              </a:schemeClr>
-            </a:gs>
-          </a:gsLst>
-          <a:path path="circle">
-            <a:fillToRect l="43000" r="43000" b="100000"/>
-          </a:path>
-        </a:gradFill>
-        <a:effectLst/>
-      </p:bgPr>
-    </p:bg>
-    <p:spTree>
-      <p:nvGrpSpPr>
-        <p:cNvPr id="1" name=""/>
-        <p:cNvGrpSpPr/>
-        <p:nvPr/>
-      </p:nvGrpSpPr>
-      <p:grpSpPr>
-        <a:xfrm>
-          <a:off x="0" y="0"/>
-          <a:ext cx="0" cy="0"/>
-          <a:chOff x="0" y="0"/>
-          <a:chExt cx="0" cy="0"/>
-        </a:xfrm>
-      </p:grpSpPr>
-      <p:sp>
-        <p:nvSpPr>
-          <p:cNvPr id="2" name="Title 1">
-            <a:extLst>
-              <a:ext uri="{FF2B5EF4-FFF2-40B4-BE49-F238E27FC236}">
-                <a16:creationId xmlns:a16="http://schemas.microsoft.com/office/drawing/2014/main" id="{314FE4D0-1770-7840-9BB0-8C2FD7069D68}"/>
-              </a:ext>
-            </a:extLst>
-          </p:cNvPr>
-          <p:cNvSpPr>
-            <a:spLocks noGrp="1"/>
-          </p:cNvSpPr>
-          <p:nvPr>
-            <p:ph type="title"/>
-          </p:nvPr>
-        </p:nvSpPr>
-        <p:spPr>
-          <a:xfrm>
-            <a:off x="1451579" y="804519"/>
-            <a:ext cx="9603275" cy="1049235"/>
-          </a:xfrm>
-        </p:spPr>
-        <p:txBody>
-          <a:bodyPr>
-            <a:normAutofit/>
-          </a:bodyPr>
-          <a:lstStyle/>
-          <a:p>
-            <a:r>
-              <a:rPr lang="en-US" dirty="0"/>
-              <a:t>Output Activation</a:t>
-            </a:r>
-          </a:p>
-        </p:txBody>
-      </p:sp>
-      <p:sp>
-        <p:nvSpPr>
-          <p:cNvPr id="3" name="Content Placeholder 2">
-            <a:extLst>
-              <a:ext uri="{FF2B5EF4-FFF2-40B4-BE49-F238E27FC236}">
-                <a16:creationId xmlns:a16="http://schemas.microsoft.com/office/drawing/2014/main" id="{B054EB94-FFC7-E547-9167-915CEE0C90A4}"/>
-              </a:ext>
-            </a:extLst>
-          </p:cNvPr>
-          <p:cNvSpPr>
-            <a:spLocks noGrp="1"/>
-          </p:cNvSpPr>
-          <p:nvPr>
-            <p:ph idx="1"/>
-          </p:nvPr>
-        </p:nvSpPr>
-        <p:spPr>
-          <a:xfrm>
-            <a:off x="246743" y="2015734"/>
-            <a:ext cx="8026400" cy="4037747"/>
-          </a:xfrm>
-        </p:spPr>
-        <p:txBody>
-          <a:bodyPr>
-            <a:normAutofit/>
-          </a:bodyPr>
-          <a:lstStyle/>
-          <a:p>
-            <a:pPr>
-              <a:lnSpc>
-                <a:spcPct val="110000"/>
-              </a:lnSpc>
-            </a:pPr>
-            <a:r>
-              <a:rPr lang="en-US" sz="1800" dirty="0"/>
-              <a:t>One different scenario we need to pay attention to is the activation on the output. </a:t>
-            </a:r>
-          </a:p>
-          <a:p>
-            <a:pPr>
-              <a:lnSpc>
-                <a:spcPct val="110000"/>
-              </a:lnSpc>
-            </a:pPr>
-            <a:r>
-              <a:rPr lang="en-US" sz="1800" dirty="0"/>
-              <a:t>This is analogous to using the sigmoid to do a logistic regression. </a:t>
-            </a:r>
-          </a:p>
-          <a:p>
-            <a:pPr>
-              <a:lnSpc>
-                <a:spcPct val="110000"/>
-              </a:lnSpc>
-            </a:pPr>
-            <a:r>
-              <a:rPr lang="en-US" sz="1800" dirty="0"/>
-              <a:t>If the problem is a regression, we don’t need one (linear). We want raw values. </a:t>
-            </a:r>
-          </a:p>
-          <a:p>
-            <a:pPr>
-              <a:lnSpc>
-                <a:spcPct val="110000"/>
-              </a:lnSpc>
-            </a:pPr>
-            <a:r>
-              <a:rPr lang="en-US" sz="1800" dirty="0"/>
-              <a:t>If the problem is a classification, we need one to produce class estimates:</a:t>
-            </a:r>
-          </a:p>
-          <a:p>
-            <a:pPr lvl="1">
-              <a:lnSpc>
-                <a:spcPct val="110000"/>
-              </a:lnSpc>
-            </a:pPr>
-            <a:r>
-              <a:rPr lang="en-US" dirty="0"/>
-              <a:t>Multiclass – </a:t>
-            </a:r>
-            <a:r>
-              <a:rPr lang="en-US" dirty="0" err="1"/>
-              <a:t>Softmax</a:t>
-            </a:r>
-            <a:r>
-              <a:rPr lang="en-US" dirty="0"/>
-              <a:t> activation, one output neuron per class. (pictured)</a:t>
-            </a:r>
-          </a:p>
-          <a:p>
-            <a:pPr lvl="1">
-              <a:lnSpc>
-                <a:spcPct val="110000"/>
-              </a:lnSpc>
-            </a:pPr>
-            <a:r>
-              <a:rPr lang="en-US" dirty="0"/>
-              <a:t>Binary – Sigmoid activation, one output neuron. (Or a 2 class version of above). </a:t>
-            </a:r>
-          </a:p>
-          <a:p>
-            <a:pPr lvl="1">
-              <a:lnSpc>
-                <a:spcPct val="110000"/>
-              </a:lnSpc>
-            </a:pPr>
-            <a:r>
-              <a:rPr lang="en-US" dirty="0"/>
-              <a:t>Multilabel – Sigmoid activation, one output neuron per class. </a:t>
-            </a:r>
-          </a:p>
-        </p:txBody>
-      </p:sp>
-      <p:pic>
-        <p:nvPicPr>
-          <p:cNvPr id="13314" name="Picture 2" descr="Softmax and Uncertainty. The softmax function carries a… | by Z Singer |  Towards Data Science">
-            <a:extLst>
-              <a:ext uri="{FF2B5EF4-FFF2-40B4-BE49-F238E27FC236}">
-                <a16:creationId xmlns:a16="http://schemas.microsoft.com/office/drawing/2014/main" id="{BE1C59F3-FD78-404B-ACB6-37DF21A17A85}"/>
-              </a:ext>
-            </a:extLst>
-          </p:cNvPr>
-          <p:cNvPicPr>
-            <a:picLocks noChangeAspect="1" noChangeArrowheads="1"/>
-          </p:cNvPicPr>
-          <p:nvPr/>
-        </p:nvPicPr>
-        <p:blipFill>
-          <a:blip r:embed="rId2">
-            <a:extLst>
-              <a:ext uri="{28A0092B-C50C-407E-A947-70E740481C1C}">
-                <a14:useLocalDpi xmlns:a14="http://schemas.microsoft.com/office/drawing/2010/main" val="0"/>
-              </a:ext>
-            </a:extLst>
-          </a:blip>
-          <a:stretch>
-            <a:fillRect/>
-          </a:stretch>
-        </p:blipFill>
-        <p:spPr bwMode="auto">
-          <a:xfrm>
-            <a:off x="8772757" y="1853754"/>
-            <a:ext cx="3419243" cy="3450613"/>
-          </a:xfrm>
-          <a:prstGeom prst="rect">
-            <a:avLst/>
-          </a:prstGeom>
-          <a:noFill/>
-          <a:extLst>
-            <a:ext uri="{909E8E84-426E-40DD-AFC4-6F175D3DCCD1}">
-              <a14:hiddenFill xmlns:a14="http://schemas.microsoft.com/office/drawing/2010/main">
-                <a:solidFill>
-                  <a:srgbClr val="FFFFFF"/>
-                </a:solidFill>
-              </a14:hiddenFill>
-            </a:ext>
-          </a:extLst>
-        </p:spPr>
-      </p:pic>
-    </p:spTree>
-    <p:extLst>
-      <p:ext uri="{BB962C8B-B14F-4D97-AF65-F5344CB8AC3E}">
-        <p14:creationId xmlns:p14="http://schemas.microsoft.com/office/powerpoint/2010/main" val="2330993416"/>
       </p:ext>
     </p:extLst>
   </p:cSld>
@@ -6730,7 +6652,7 @@
           <p:cNvPr id="2" name="Title 1">
             <a:extLst>
               <a:ext uri="{FF2B5EF4-FFF2-40B4-BE49-F238E27FC236}">
-                <a16:creationId xmlns:a16="http://schemas.microsoft.com/office/drawing/2014/main" id="{B12EEF4D-F72B-4042-AC5A-CBDD01CB63B1}"/>
+                <a16:creationId xmlns:a16="http://schemas.microsoft.com/office/drawing/2014/main" id="{C5067A4D-F2C4-2F03-A005-4FAB2D08FEA9}"/>
               </a:ext>
             </a:extLst>
           </p:cNvPr>
@@ -6746,10 +6668,7 @@
           <a:bodyPr/>
           <a:lstStyle/>
           <a:p>
-            <a:r>
-              <a:rPr lang="en-US" dirty="0"/>
-              <a:t>Neural Network Execution</a:t>
-            </a:r>
+            <a:endParaRPr lang="en-US"/>
           </a:p>
         </p:txBody>
       </p:sp>
@@ -6758,7 +6677,7 @@
           <p:cNvPr id="3" name="Content Placeholder 2">
             <a:extLst>
               <a:ext uri="{FF2B5EF4-FFF2-40B4-BE49-F238E27FC236}">
-                <a16:creationId xmlns:a16="http://schemas.microsoft.com/office/drawing/2014/main" id="{F4D4BEC7-A7A8-1B42-B673-3C7B0F9EDEED}"/>
+                <a16:creationId xmlns:a16="http://schemas.microsoft.com/office/drawing/2014/main" id="{927E2D20-E5E6-A51C-E196-0EF54BCF7F0A}"/>
               </a:ext>
             </a:extLst>
           </p:cNvPr>
@@ -6769,79 +6688,66 @@
             <p:ph idx="1"/>
           </p:nvPr>
         </p:nvSpPr>
-        <p:spPr>
-          <a:xfrm>
-            <a:off x="1248937" y="2015732"/>
-            <a:ext cx="10036097" cy="4037749"/>
-          </a:xfrm>
+        <p:spPr/>
+        <p:txBody>
+          <a:bodyPr/>
+          <a:lstStyle/>
+          <a:p>
+            <a:endParaRPr lang="en-US"/>
+          </a:p>
+        </p:txBody>
+      </p:sp>
+      <p:pic>
+        <p:nvPicPr>
+          <p:cNvPr id="8194" name="Picture 2" descr="Common activation functions in artificial neural networks (NNs) that... |  Download Scientific Diagram">
+            <a:extLst>
+              <a:ext uri="{FF2B5EF4-FFF2-40B4-BE49-F238E27FC236}">
+                <a16:creationId xmlns:a16="http://schemas.microsoft.com/office/drawing/2014/main" id="{EB0D4770-730A-C490-FA72-66BED175D157}"/>
+              </a:ext>
+            </a:extLst>
+          </p:cNvPr>
+          <p:cNvPicPr>
+            <a:picLocks noChangeAspect="1" noChangeArrowheads="1"/>
+          </p:cNvPicPr>
+          <p:nvPr/>
+        </p:nvPicPr>
+        <p:blipFill>
+          <a:blip r:embed="rId2">
+            <a:extLst>
+              <a:ext uri="{28A0092B-C50C-407E-A947-70E740481C1C}">
+                <a14:useLocalDpi xmlns:a14="http://schemas.microsoft.com/office/drawing/2010/main" val="0"/>
+              </a:ext>
+            </a:extLst>
+          </a:blip>
+          <a:srcRect/>
+          <a:stretch>
+            <a:fillRect/>
+          </a:stretch>
+        </p:blipFill>
+        <p:spPr bwMode="auto">
+          <a:xfrm>
+            <a:off x="1617663" y="0"/>
+            <a:ext cx="8956675" cy="6858000"/>
+          </a:xfrm>
+          <a:prstGeom prst="rect">
+            <a:avLst/>
+          </a:prstGeom>
+          <a:noFill/>
+          <a:extLst>
+            <a:ext uri="{909E8E84-426E-40DD-AFC4-6F175D3DCCD1}">
+              <a14:hiddenFill xmlns:a14="http://schemas.microsoft.com/office/drawing/2010/main">
+                <a:solidFill>
+                  <a:srgbClr val="FFFFFF"/>
+                </a:solidFill>
+              </a14:hiddenFill>
+            </a:ext>
+          </a:extLst>
         </p:spPr>
-        <p:txBody>
-          <a:bodyPr/>
-          <a:lstStyle/>
-          <a:p>
-            <a:r>
-              <a:rPr lang="en-US" dirty="0"/>
-              <a:t>Now we have the main pieces of a neural network, we can look at the execution.</a:t>
-            </a:r>
-          </a:p>
-          <a:p>
-            <a:r>
-              <a:rPr lang="en-US" dirty="0"/>
-              <a:t>Training a neural network has two parts – forward propagation and backward propagation.</a:t>
-            </a:r>
-          </a:p>
-          <a:p>
-            <a:r>
-              <a:rPr lang="en-US" dirty="0"/>
-              <a:t>Forward propagation: </a:t>
-            </a:r>
-          </a:p>
-          <a:p>
-            <a:pPr lvl="1"/>
-            <a:r>
-              <a:rPr lang="en-US" dirty="0"/>
-              <a:t>start at the input, do all calculations to make a prediction. </a:t>
-            </a:r>
-          </a:p>
-          <a:p>
-            <a:pPr lvl="1"/>
-            <a:r>
-              <a:rPr lang="en-US" dirty="0"/>
-              <a:t>This is what we walked through with one neuron above. </a:t>
-            </a:r>
-          </a:p>
-          <a:p>
-            <a:pPr lvl="1"/>
-            <a:r>
-              <a:rPr lang="en-US" dirty="0"/>
-              <a:t>At the end, calculate loss – the error of our prediction. </a:t>
-            </a:r>
-          </a:p>
-          <a:p>
-            <a:r>
-              <a:rPr lang="en-US" dirty="0"/>
-              <a:t>Backward propagation:</a:t>
-            </a:r>
-          </a:p>
-          <a:p>
-            <a:pPr lvl="1"/>
-            <a:r>
-              <a:rPr lang="en-US" dirty="0"/>
-              <a:t>Work backwards from the error to the input layer. </a:t>
-            </a:r>
-          </a:p>
-          <a:p>
-            <a:r>
-              <a:rPr lang="en-US" dirty="0"/>
-              <a:t>This is just like gradient descent, but with more steps. </a:t>
-            </a:r>
-          </a:p>
-        </p:txBody>
-      </p:sp>
+      </p:pic>
     </p:spTree>
     <p:extLst>
       <p:ext uri="{BB962C8B-B14F-4D97-AF65-F5344CB8AC3E}">
-        <p14:creationId xmlns:p14="http://schemas.microsoft.com/office/powerpoint/2010/main" val="296875243"/>
+        <p14:creationId xmlns:p14="http://schemas.microsoft.com/office/powerpoint/2010/main" val="1508944528"/>
       </p:ext>
     </p:extLst>
   </p:cSld>
@@ -6897,7 +6803,7 @@
           <p:cNvPr id="2" name="Title 1">
             <a:extLst>
               <a:ext uri="{FF2B5EF4-FFF2-40B4-BE49-F238E27FC236}">
-                <a16:creationId xmlns:a16="http://schemas.microsoft.com/office/drawing/2014/main" id="{5171D148-9198-7F47-BE45-4EA046183E7A}"/>
+                <a16:creationId xmlns:a16="http://schemas.microsoft.com/office/drawing/2014/main" id="{314FE4D0-1770-7840-9BB0-8C2FD7069D68}"/>
               </a:ext>
             </a:extLst>
           </p:cNvPr>
@@ -6922,17 +6828,131 @@
           <a:p>
             <a:r>
               <a:rPr lang="en-US" dirty="0"/>
-              <a:t>NN Execution: Backwards Propagation</a:t>
+              <a:t>Output Activation</a:t>
+            </a:r>
+          </a:p>
+        </p:txBody>
+      </p:sp>
+      <p:sp>
+        <p:nvSpPr>
+          <p:cNvPr id="3" name="Content Placeholder 2">
+            <a:extLst>
+              <a:ext uri="{FF2B5EF4-FFF2-40B4-BE49-F238E27FC236}">
+                <a16:creationId xmlns:a16="http://schemas.microsoft.com/office/drawing/2014/main" id="{B054EB94-FFC7-E547-9167-915CEE0C90A4}"/>
+              </a:ext>
+            </a:extLst>
+          </p:cNvPr>
+          <p:cNvSpPr>
+            <a:spLocks noGrp="1"/>
+          </p:cNvSpPr>
+          <p:nvPr>
+            <p:ph idx="1"/>
+          </p:nvPr>
+        </p:nvSpPr>
+        <p:spPr>
+          <a:xfrm>
+            <a:off x="246743" y="2015734"/>
+            <a:ext cx="8026400" cy="4037747"/>
+          </a:xfrm>
+        </p:spPr>
+        <p:txBody>
+          <a:bodyPr>
+            <a:normAutofit/>
+          </a:bodyPr>
+          <a:lstStyle/>
+          <a:p>
+            <a:pPr>
+              <a:lnSpc>
+                <a:spcPct val="110000"/>
+              </a:lnSpc>
+            </a:pPr>
+            <a:r>
+              <a:rPr lang="en-US" sz="1800" dirty="0"/>
+              <a:t>One different scenario we need to pay attention to is the activation on the output. </a:t>
+            </a:r>
+          </a:p>
+          <a:p>
+            <a:pPr>
+              <a:lnSpc>
+                <a:spcPct val="110000"/>
+              </a:lnSpc>
+            </a:pPr>
+            <a:r>
+              <a:rPr lang="en-US" sz="1800" dirty="0"/>
+              <a:t>This is analogous to using the sigmoid to do a logistic regression. </a:t>
+            </a:r>
+          </a:p>
+          <a:p>
+            <a:pPr>
+              <a:lnSpc>
+                <a:spcPct val="110000"/>
+              </a:lnSpc>
+            </a:pPr>
+            <a:r>
+              <a:rPr lang="en-US" sz="1800" dirty="0"/>
+              <a:t>If the problem is a regression, we don’t need one (linear). We want raw values. </a:t>
+            </a:r>
+          </a:p>
+          <a:p>
+            <a:pPr>
+              <a:lnSpc>
+                <a:spcPct val="110000"/>
+              </a:lnSpc>
+            </a:pPr>
+            <a:r>
+              <a:rPr lang="en-US" sz="1800" dirty="0"/>
+              <a:t>If the problem is a classification, we need one to produce class estimates:</a:t>
+            </a:r>
+          </a:p>
+          <a:p>
+            <a:pPr lvl="1">
+              <a:lnSpc>
+                <a:spcPct val="110000"/>
+              </a:lnSpc>
+            </a:pPr>
+            <a:r>
+              <a:rPr lang="en-US" dirty="0"/>
+              <a:t>Multiclass – </a:t>
+            </a:r>
+            <a:r>
+              <a:rPr lang="en-US" dirty="0" err="1"/>
+              <a:t>Softmax</a:t>
+            </a:r>
+            <a:r>
+              <a:rPr lang="en-US" dirty="0"/>
+              <a:t> activation, one output neuron per class. (pictured)</a:t>
+            </a:r>
+          </a:p>
+          <a:p>
+            <a:pPr lvl="1">
+              <a:lnSpc>
+                <a:spcPct val="110000"/>
+              </a:lnSpc>
+            </a:pPr>
+            <a:r>
+              <a:rPr lang="en-US" dirty="0"/>
+              <a:t>Binary – Sigmoid activation, one output neuron. (Or a 2 class version of above). </a:t>
+            </a:r>
+          </a:p>
+          <a:p>
+            <a:pPr lvl="1">
+              <a:lnSpc>
+                <a:spcPct val="110000"/>
+              </a:lnSpc>
+            </a:pPr>
+            <a:r>
+              <a:rPr lang="en-US" dirty="0"/>
+              <a:t>Multilabel – Sigmoid activation, one output neuron per class. </a:t>
             </a:r>
           </a:p>
         </p:txBody>
       </p:sp>
       <p:pic>
         <p:nvPicPr>
-          <p:cNvPr id="14340" name="Picture 4" descr="Endnotes">
+          <p:cNvPr id="13314" name="Picture 2" descr="Softmax and Uncertainty. The softmax function carries a… | by Z Singer |  Towards Data Science">
             <a:extLst>
               <a:ext uri="{FF2B5EF4-FFF2-40B4-BE49-F238E27FC236}">
-                <a16:creationId xmlns:a16="http://schemas.microsoft.com/office/drawing/2014/main" id="{17666900-1E2D-FB43-A192-7262F0EE0D9A}"/>
+                <a16:creationId xmlns:a16="http://schemas.microsoft.com/office/drawing/2014/main" id="{BE1C59F3-FD78-404B-ACB6-37DF21A17A85}"/>
               </a:ext>
             </a:extLst>
           </p:cNvPr>
@@ -6955,8 +6975,8 @@
         </p:blipFill>
         <p:spPr bwMode="auto">
           <a:xfrm>
-            <a:off x="0" y="1913893"/>
-            <a:ext cx="5600358" cy="3427541"/>
+            <a:off x="8772757" y="1853754"/>
+            <a:ext cx="3419243" cy="3450613"/>
           </a:xfrm>
           <a:prstGeom prst="rect">
             <a:avLst/>
@@ -6973,137 +6993,10 @@
           </a:extLst>
         </p:spPr>
       </p:pic>
-      <p:sp>
-        <p:nvSpPr>
-          <p:cNvPr id="3" name="Content Placeholder 2">
-            <a:extLst>
-              <a:ext uri="{FF2B5EF4-FFF2-40B4-BE49-F238E27FC236}">
-                <a16:creationId xmlns:a16="http://schemas.microsoft.com/office/drawing/2014/main" id="{27015D99-A62E-3B4C-83AF-BBA3B5EEC8D2}"/>
-              </a:ext>
-            </a:extLst>
-          </p:cNvPr>
-          <p:cNvSpPr>
-            <a:spLocks noGrp="1"/>
-          </p:cNvSpPr>
-          <p:nvPr>
-            <p:ph idx="1"/>
-          </p:nvPr>
-        </p:nvSpPr>
-        <p:spPr>
-          <a:xfrm>
-            <a:off x="5558971" y="1853754"/>
-            <a:ext cx="6633029" cy="4199727"/>
-          </a:xfrm>
-        </p:spPr>
-        <p:txBody>
-          <a:bodyPr>
-            <a:normAutofit lnSpcReduction="10000"/>
-          </a:bodyPr>
-          <a:lstStyle/>
-          <a:p>
-            <a:pPr>
-              <a:lnSpc>
-                <a:spcPct val="110000"/>
-              </a:lnSpc>
-            </a:pPr>
-            <a:r>
-              <a:rPr lang="en-US" dirty="0"/>
-              <a:t>Backwards propagation takes the error from the prediction and translates it to errors in the weights and biases. </a:t>
-            </a:r>
-          </a:p>
-          <a:p>
-            <a:pPr lvl="1">
-              <a:lnSpc>
-                <a:spcPct val="110000"/>
-              </a:lnSpc>
-            </a:pPr>
-            <a:r>
-              <a:rPr lang="en-US" sz="2000" dirty="0"/>
-              <a:t>We start the FP with a set of inputs, weights, and biases. </a:t>
-            </a:r>
-          </a:p>
-          <a:p>
-            <a:pPr lvl="1">
-              <a:lnSpc>
-                <a:spcPct val="110000"/>
-              </a:lnSpc>
-            </a:pPr>
-            <a:r>
-              <a:rPr lang="en-US" sz="2000" dirty="0"/>
-              <a:t>To minimize the error we need to adjust weights and biases. </a:t>
-            </a:r>
-          </a:p>
-          <a:p>
-            <a:pPr lvl="1">
-              <a:lnSpc>
-                <a:spcPct val="110000"/>
-              </a:lnSpc>
-            </a:pPr>
-            <a:r>
-              <a:rPr lang="en-US" sz="2000" dirty="0"/>
-              <a:t>BP uses derivatives to translate the error </a:t>
-            </a:r>
-            <a:r>
-              <a:rPr lang="en-US" sz="2000" dirty="0" err="1"/>
-              <a:t>w.r.t.</a:t>
-            </a:r>
-            <a:r>
-              <a:rPr lang="en-US" sz="2000" dirty="0"/>
-              <a:t> y from our prediction, to gradients of error </a:t>
-            </a:r>
-            <a:r>
-              <a:rPr lang="en-US" sz="2000" dirty="0" err="1"/>
-              <a:t>w.r.t.</a:t>
-            </a:r>
-            <a:r>
-              <a:rPr lang="en-US" sz="2000" dirty="0"/>
-              <a:t> each weight and bias. </a:t>
-            </a:r>
-          </a:p>
-          <a:p>
-            <a:pPr lvl="1">
-              <a:lnSpc>
-                <a:spcPct val="110000"/>
-              </a:lnSpc>
-            </a:pPr>
-            <a:r>
-              <a:rPr lang="en-US" sz="2000" dirty="0"/>
-              <a:t>The weights and biases are then adjusted with these gradients and gradient descent. </a:t>
-            </a:r>
-          </a:p>
-          <a:p>
-            <a:pPr lvl="1">
-              <a:lnSpc>
-                <a:spcPct val="110000"/>
-              </a:lnSpc>
-            </a:pPr>
-            <a:r>
-              <a:rPr lang="en-US" sz="2000" dirty="0"/>
-              <a:t>This process repeats through each layer. Error </a:t>
-            </a:r>
-            <a:r>
-              <a:rPr lang="en-US" sz="2000" dirty="0" err="1"/>
-              <a:t>w.r.t.</a:t>
-            </a:r>
-            <a:r>
-              <a:rPr lang="en-US" sz="2000" dirty="0"/>
-              <a:t> output -&gt; error </a:t>
-            </a:r>
-            <a:r>
-              <a:rPr lang="en-US" sz="2000" dirty="0" err="1"/>
-              <a:t>w.r.t.</a:t>
-            </a:r>
-            <a:r>
-              <a:rPr lang="en-US" sz="2000" dirty="0"/>
-              <a:t> inputs. </a:t>
-            </a:r>
-          </a:p>
-        </p:txBody>
-      </p:sp>
     </p:spTree>
     <p:extLst>
       <p:ext uri="{BB962C8B-B14F-4D97-AF65-F5344CB8AC3E}">
-        <p14:creationId xmlns:p14="http://schemas.microsoft.com/office/powerpoint/2010/main" val="1667162993"/>
+        <p14:creationId xmlns:p14="http://schemas.microsoft.com/office/powerpoint/2010/main" val="2330993416"/>
       </p:ext>
     </p:extLst>
   </p:cSld>
@@ -7135,7 +7028,7 @@
           <p:cNvPr id="2" name="Title 1">
             <a:extLst>
               <a:ext uri="{FF2B5EF4-FFF2-40B4-BE49-F238E27FC236}">
-                <a16:creationId xmlns:a16="http://schemas.microsoft.com/office/drawing/2014/main" id="{17D5F553-2386-0AE3-9A4C-2C8358FA211F}"/>
+                <a16:creationId xmlns:a16="http://schemas.microsoft.com/office/drawing/2014/main" id="{B12EEF4D-F72B-4042-AC5A-CBDD01CB63B1}"/>
               </a:ext>
             </a:extLst>
           </p:cNvPr>
@@ -7153,7 +7046,7 @@
           <a:p>
             <a:r>
               <a:rPr lang="en-US" dirty="0"/>
-              <a:t>Partial derivatives</a:t>
+              <a:t>Neural Network Execution</a:t>
             </a:r>
           </a:p>
         </p:txBody>
@@ -7163,7 +7056,7 @@
           <p:cNvPr id="3" name="Content Placeholder 2">
             <a:extLst>
               <a:ext uri="{FF2B5EF4-FFF2-40B4-BE49-F238E27FC236}">
-                <a16:creationId xmlns:a16="http://schemas.microsoft.com/office/drawing/2014/main" id="{67916D83-6A3E-FA77-B8F5-C853E82A7C38}"/>
+                <a16:creationId xmlns:a16="http://schemas.microsoft.com/office/drawing/2014/main" id="{F4D4BEC7-A7A8-1B42-B673-3C7B0F9EDEED}"/>
               </a:ext>
             </a:extLst>
           </p:cNvPr>
@@ -7176,8 +7069,8 @@
         </p:nvSpPr>
         <p:spPr>
           <a:xfrm>
-            <a:off x="1451579" y="2015732"/>
-            <a:ext cx="10165798" cy="4037749"/>
+            <a:off x="1248937" y="2015732"/>
+            <a:ext cx="10036097" cy="4037749"/>
           </a:xfrm>
         </p:spPr>
         <p:txBody>
@@ -7186,77 +7079,59 @@
           <a:p>
             <a:r>
               <a:rPr lang="en-US" dirty="0"/>
-              <a:t>The key mathematical concept in making backpropagation work is the partial derivative. </a:t>
-            </a:r>
-          </a:p>
-          <a:p>
-            <a:r>
-              <a:rPr lang="en-US" dirty="0"/>
-              <a:t>Partial derivatives are gradients where there is more than 1 independent value. </a:t>
-            </a:r>
-          </a:p>
-          <a:p>
-            <a:pPr lvl="1"/>
-            <a:r>
-              <a:rPr lang="en-US" dirty="0"/>
-              <a:t>A derivative “with respect to” something means that thing can change, other parts are fixed. </a:t>
-            </a:r>
-          </a:p>
-          <a:p>
-            <a:pPr lvl="1"/>
-            <a:r>
-              <a:rPr lang="en-US" dirty="0"/>
-              <a:t>A.k.a. how much does this change as the </a:t>
-            </a:r>
-            <a:r>
-              <a:rPr lang="en-US" dirty="0" err="1"/>
-              <a:t>w.r.t.</a:t>
-            </a:r>
-            <a:r>
-              <a:rPr lang="en-US" dirty="0"/>
-              <a:t> part changes. </a:t>
-            </a:r>
-          </a:p>
-          <a:p>
-            <a:pPr lvl="1"/>
-            <a:r>
-              <a:rPr lang="en-US" dirty="0"/>
-              <a:t>We get the gradient of each “term” (weight*feature) – the feature is fixed. This is the adjustment. </a:t>
-            </a:r>
-          </a:p>
-          <a:p>
-            <a:r>
-              <a:rPr lang="en-US" dirty="0"/>
-              <a:t>For our backpropagation. </a:t>
-            </a:r>
-          </a:p>
-          <a:p>
-            <a:pPr lvl="1"/>
-            <a:r>
-              <a:rPr lang="en-US" dirty="0"/>
-              <a:t>End up with the error of a prediction. </a:t>
-            </a:r>
-          </a:p>
-          <a:p>
-            <a:pPr lvl="1"/>
-            <a:r>
-              <a:rPr lang="en-US" dirty="0"/>
-              <a:t>Take the partial derivative of the error </a:t>
-            </a:r>
-            <a:r>
-              <a:rPr lang="en-US" dirty="0" err="1"/>
-              <a:t>w.r.t.</a:t>
-            </a:r>
-            <a:r>
-              <a:rPr lang="en-US" dirty="0"/>
-              <a:t> each of the inputs. Repeat back each layer. </a:t>
-            </a:r>
-          </a:p>
-          <a:p>
-            <a:pPr lvl="1"/>
-            <a:r>
-              <a:rPr lang="en-US" dirty="0"/>
-              <a:t>Adjust each weight/bias ”down” the gradient – our partial derivative tells us direction. </a:t>
+              <a:t>Now we have the main pieces of a neural network, we can look at the execution.</a:t>
+            </a:r>
+          </a:p>
+          <a:p>
+            <a:r>
+              <a:rPr lang="en-US" dirty="0"/>
+              <a:t>Training a neural network has two parts – forward propagation and backward propagation.</a:t>
+            </a:r>
+          </a:p>
+          <a:p>
+            <a:r>
+              <a:rPr lang="en-US" dirty="0"/>
+              <a:t>Forward propagation: </a:t>
+            </a:r>
+          </a:p>
+          <a:p>
+            <a:pPr lvl="1"/>
+            <a:r>
+              <a:rPr lang="en-US" dirty="0"/>
+              <a:t>start at the input, do all calculations to make a prediction. </a:t>
+            </a:r>
+          </a:p>
+          <a:p>
+            <a:pPr lvl="1"/>
+            <a:r>
+              <a:rPr lang="en-US" dirty="0"/>
+              <a:t>This is what we walked through with one neuron above. </a:t>
+            </a:r>
+          </a:p>
+          <a:p>
+            <a:pPr lvl="1"/>
+            <a:r>
+              <a:rPr lang="en-US" dirty="0"/>
+              <a:t>At the end, calculate loss – the error of our prediction. </a:t>
+            </a:r>
+          </a:p>
+          <a:p>
+            <a:r>
+              <a:rPr lang="en-US" dirty="0"/>
+              <a:t>Backward propagation:</a:t>
+            </a:r>
+          </a:p>
+          <a:p>
+            <a:pPr lvl="1"/>
+            <a:r>
+              <a:rPr lang="en-US" dirty="0"/>
+              <a:t>Work backwards from the error to the input layer. </a:t>
+            </a:r>
+          </a:p>
+          <a:p>
+            <a:r>
+              <a:rPr lang="en-US" dirty="0"/>
+              <a:t>This is just like gradient descent, but with more steps. </a:t>
             </a:r>
           </a:p>
         </p:txBody>
@@ -7264,7 +7139,7 @@
     </p:spTree>
     <p:extLst>
       <p:ext uri="{BB962C8B-B14F-4D97-AF65-F5344CB8AC3E}">
-        <p14:creationId xmlns:p14="http://schemas.microsoft.com/office/powerpoint/2010/main" val="1796402998"/>
+        <p14:creationId xmlns:p14="http://schemas.microsoft.com/office/powerpoint/2010/main" val="296875243"/>
       </p:ext>
     </p:extLst>
   </p:cSld>
@@ -7349,7 +7224,7 @@
           <a:p>
             <a:r>
               <a:rPr lang="en-US" dirty="0"/>
-              <a:t>Look at theory of how they work. </a:t>
+              <a:t>Look at theory of how they work (lots of stuff, which we’ll revisit as we go)</a:t>
             </a:r>
           </a:p>
           <a:p>
@@ -7363,7 +7238,7 @@
             <a:pPr lvl="1"/>
             <a:r>
               <a:rPr lang="en-US" dirty="0"/>
-              <a:t>Deeper examination of gradient descent process. </a:t>
+              <a:t>Deeper examination of gradient descent process through layers. </a:t>
             </a:r>
           </a:p>
           <a:p>
@@ -7473,7 +7348,7 @@
           <p:cNvPr id="2" name="Title 1">
             <a:extLst>
               <a:ext uri="{FF2B5EF4-FFF2-40B4-BE49-F238E27FC236}">
-                <a16:creationId xmlns:a16="http://schemas.microsoft.com/office/drawing/2014/main" id="{701E8847-801A-3FB4-4ECC-335D2A087B9A}"/>
+                <a16:creationId xmlns:a16="http://schemas.microsoft.com/office/drawing/2014/main" id="{5171D148-9198-7F47-BE45-4EA046183E7A}"/>
               </a:ext>
             </a:extLst>
           </p:cNvPr>
@@ -7498,67 +7373,17 @@
           <a:p>
             <a:r>
               <a:rPr lang="en-US" dirty="0"/>
-              <a:t>Gradient Descent Recap</a:t>
-            </a:r>
-          </a:p>
-        </p:txBody>
-      </p:sp>
-      <p:sp>
-        <p:nvSpPr>
-          <p:cNvPr id="3" name="Content Placeholder 2">
-            <a:extLst>
-              <a:ext uri="{FF2B5EF4-FFF2-40B4-BE49-F238E27FC236}">
-                <a16:creationId xmlns:a16="http://schemas.microsoft.com/office/drawing/2014/main" id="{2E52D4D5-6DFD-554C-5863-A305FBA62BF4}"/>
-              </a:ext>
-            </a:extLst>
-          </p:cNvPr>
-          <p:cNvSpPr>
-            <a:spLocks noGrp="1"/>
-          </p:cNvSpPr>
-          <p:nvPr>
-            <p:ph idx="1"/>
-          </p:nvPr>
-        </p:nvSpPr>
-        <p:spPr>
-          <a:xfrm>
-            <a:off x="284813" y="2015734"/>
-            <a:ext cx="5044077" cy="4037747"/>
-          </a:xfrm>
-        </p:spPr>
-        <p:txBody>
-          <a:bodyPr>
-            <a:normAutofit/>
-          </a:bodyPr>
-          <a:lstStyle/>
-          <a:p>
-            <a:r>
-              <a:rPr lang="en-US" dirty="0"/>
-              <a:t>The gradient is the derivative of the cost function. </a:t>
-            </a:r>
-          </a:p>
-          <a:p>
-            <a:r>
-              <a:rPr lang="en-US" dirty="0"/>
-              <a:t>We adjust the weight to try to minimize that cost. </a:t>
-            </a:r>
-          </a:p>
-          <a:p>
-            <a:r>
-              <a:rPr lang="en-US" dirty="0"/>
-              <a:t>The gradient (slope) gives us direction to adjust (pos/neg tells us). </a:t>
-            </a:r>
-          </a:p>
-          <a:p>
-            <a:endParaRPr lang="en-US" dirty="0"/>
+              <a:t>NN Execution: Backwards Propagation</a:t>
+            </a:r>
           </a:p>
         </p:txBody>
       </p:sp>
       <p:pic>
         <p:nvPicPr>
-          <p:cNvPr id="5122" name="Picture 2" descr="Gradient Descent in Machine Learning - Javatpoint">
+          <p:cNvPr id="14340" name="Picture 4" descr="Endnotes">
             <a:extLst>
               <a:ext uri="{FF2B5EF4-FFF2-40B4-BE49-F238E27FC236}">
-                <a16:creationId xmlns:a16="http://schemas.microsoft.com/office/drawing/2014/main" id="{FD40F101-662C-5928-B530-CAA1BB0C3F85}"/>
+                <a16:creationId xmlns:a16="http://schemas.microsoft.com/office/drawing/2014/main" id="{17666900-1E2D-FB43-A192-7262F0EE0D9A}"/>
               </a:ext>
             </a:extLst>
           </p:cNvPr>
@@ -7581,8 +7406,8 @@
         </p:blipFill>
         <p:spPr bwMode="auto">
           <a:xfrm>
-            <a:off x="5328890" y="2015734"/>
-            <a:ext cx="6794069" cy="4090028"/>
+            <a:off x="0" y="1913893"/>
+            <a:ext cx="5600358" cy="3427541"/>
           </a:xfrm>
           <a:prstGeom prst="rect">
             <a:avLst/>
@@ -7599,10 +7424,137 @@
           </a:extLst>
         </p:spPr>
       </p:pic>
+      <p:sp>
+        <p:nvSpPr>
+          <p:cNvPr id="3" name="Content Placeholder 2">
+            <a:extLst>
+              <a:ext uri="{FF2B5EF4-FFF2-40B4-BE49-F238E27FC236}">
+                <a16:creationId xmlns:a16="http://schemas.microsoft.com/office/drawing/2014/main" id="{27015D99-A62E-3B4C-83AF-BBA3B5EEC8D2}"/>
+              </a:ext>
+            </a:extLst>
+          </p:cNvPr>
+          <p:cNvSpPr>
+            <a:spLocks noGrp="1"/>
+          </p:cNvSpPr>
+          <p:nvPr>
+            <p:ph idx="1"/>
+          </p:nvPr>
+        </p:nvSpPr>
+        <p:spPr>
+          <a:xfrm>
+            <a:off x="5558971" y="1853754"/>
+            <a:ext cx="6633029" cy="4199727"/>
+          </a:xfrm>
+        </p:spPr>
+        <p:txBody>
+          <a:bodyPr>
+            <a:normAutofit lnSpcReduction="10000"/>
+          </a:bodyPr>
+          <a:lstStyle/>
+          <a:p>
+            <a:pPr>
+              <a:lnSpc>
+                <a:spcPct val="110000"/>
+              </a:lnSpc>
+            </a:pPr>
+            <a:r>
+              <a:rPr lang="en-US" dirty="0"/>
+              <a:t>Backwards propagation takes the error from the prediction and translates it to errors in the weights and biases. </a:t>
+            </a:r>
+          </a:p>
+          <a:p>
+            <a:pPr lvl="1">
+              <a:lnSpc>
+                <a:spcPct val="110000"/>
+              </a:lnSpc>
+            </a:pPr>
+            <a:r>
+              <a:rPr lang="en-US" sz="2000" dirty="0"/>
+              <a:t>We start the FP with a set of inputs, weights, and biases. </a:t>
+            </a:r>
+          </a:p>
+          <a:p>
+            <a:pPr lvl="1">
+              <a:lnSpc>
+                <a:spcPct val="110000"/>
+              </a:lnSpc>
+            </a:pPr>
+            <a:r>
+              <a:rPr lang="en-US" sz="2000" dirty="0"/>
+              <a:t>To minimize the error we need to adjust weights and biases. </a:t>
+            </a:r>
+          </a:p>
+          <a:p>
+            <a:pPr lvl="1">
+              <a:lnSpc>
+                <a:spcPct val="110000"/>
+              </a:lnSpc>
+            </a:pPr>
+            <a:r>
+              <a:rPr lang="en-US" sz="2000" dirty="0"/>
+              <a:t>BP uses derivatives to translate the error </a:t>
+            </a:r>
+            <a:r>
+              <a:rPr lang="en-US" sz="2000" dirty="0" err="1"/>
+              <a:t>w.r.t.</a:t>
+            </a:r>
+            <a:r>
+              <a:rPr lang="en-US" sz="2000" dirty="0"/>
+              <a:t> y from our prediction, to gradients of error </a:t>
+            </a:r>
+            <a:r>
+              <a:rPr lang="en-US" sz="2000" dirty="0" err="1"/>
+              <a:t>w.r.t.</a:t>
+            </a:r>
+            <a:r>
+              <a:rPr lang="en-US" sz="2000" dirty="0"/>
+              <a:t> each weight and bias. </a:t>
+            </a:r>
+          </a:p>
+          <a:p>
+            <a:pPr lvl="1">
+              <a:lnSpc>
+                <a:spcPct val="110000"/>
+              </a:lnSpc>
+            </a:pPr>
+            <a:r>
+              <a:rPr lang="en-US" sz="2000" dirty="0"/>
+              <a:t>The weights and biases are then adjusted with these gradients and gradient descent. </a:t>
+            </a:r>
+          </a:p>
+          <a:p>
+            <a:pPr lvl="1">
+              <a:lnSpc>
+                <a:spcPct val="110000"/>
+              </a:lnSpc>
+            </a:pPr>
+            <a:r>
+              <a:rPr lang="en-US" sz="2000" dirty="0"/>
+              <a:t>This process repeats through each layer. Error </a:t>
+            </a:r>
+            <a:r>
+              <a:rPr lang="en-US" sz="2000" dirty="0" err="1"/>
+              <a:t>w.r.t.</a:t>
+            </a:r>
+            <a:r>
+              <a:rPr lang="en-US" sz="2000" dirty="0"/>
+              <a:t> output -&gt; error </a:t>
+            </a:r>
+            <a:r>
+              <a:rPr lang="en-US" sz="2000" dirty="0" err="1"/>
+              <a:t>w.r.t.</a:t>
+            </a:r>
+            <a:r>
+              <a:rPr lang="en-US" sz="2000" dirty="0"/>
+              <a:t> inputs. </a:t>
+            </a:r>
+          </a:p>
+        </p:txBody>
+      </p:sp>
     </p:spTree>
     <p:extLst>
       <p:ext uri="{BB962C8B-B14F-4D97-AF65-F5344CB8AC3E}">
-        <p14:creationId xmlns:p14="http://schemas.microsoft.com/office/powerpoint/2010/main" val="1503821483"/>
+        <p14:creationId xmlns:p14="http://schemas.microsoft.com/office/powerpoint/2010/main" val="1667162993"/>
       </p:ext>
     </p:extLst>
   </p:cSld>
@@ -7629,55 +7581,141 @@
           <a:chExt cx="0" cy="0"/>
         </a:xfrm>
       </p:grpSpPr>
-      <p:pic>
-        <p:nvPicPr>
-          <p:cNvPr id="4098" name="Picture 2" descr="Partial Derivative (Fully Explained w/ Step-by-Step Examples!)">
+      <p:sp>
+        <p:nvSpPr>
+          <p:cNvPr id="2" name="Title 1">
             <a:extLst>
               <a:ext uri="{FF2B5EF4-FFF2-40B4-BE49-F238E27FC236}">
-                <a16:creationId xmlns:a16="http://schemas.microsoft.com/office/drawing/2014/main" id="{9D010966-2752-6B46-5F60-EA1557955BF4}"/>
+                <a16:creationId xmlns:a16="http://schemas.microsoft.com/office/drawing/2014/main" id="{17D5F553-2386-0AE3-9A4C-2C8358FA211F}"/>
               </a:ext>
             </a:extLst>
           </p:cNvPr>
-          <p:cNvPicPr>
-            <a:picLocks noChangeAspect="1" noChangeArrowheads="1"/>
-          </p:cNvPicPr>
-          <p:nvPr/>
-        </p:nvPicPr>
-        <p:blipFill rotWithShape="1">
-          <a:blip r:embed="rId2">
-            <a:extLst>
-              <a:ext uri="{28A0092B-C50C-407E-A947-70E740481C1C}">
-                <a14:useLocalDpi xmlns:a14="http://schemas.microsoft.com/office/drawing/2010/main" val="0"/>
-              </a:ext>
-            </a:extLst>
-          </a:blip>
-          <a:srcRect l="7377" t="9399" r="6804" b="10164"/>
-          <a:stretch/>
-        </p:blipFill>
-        <p:spPr bwMode="auto">
-          <a:xfrm>
-            <a:off x="257331" y="0"/>
-            <a:ext cx="11677338" cy="6156533"/>
-          </a:xfrm>
-          <a:prstGeom prst="rect">
-            <a:avLst/>
-          </a:prstGeom>
-          <a:noFill/>
-          <a:extLst>
-            <a:ext uri="{909E8E84-426E-40DD-AFC4-6F175D3DCCD1}">
-              <a14:hiddenFill xmlns:a14="http://schemas.microsoft.com/office/drawing/2010/main">
-                <a:solidFill>
-                  <a:srgbClr val="FFFFFF"/>
-                </a:solidFill>
-              </a14:hiddenFill>
-            </a:ext>
-          </a:extLst>
+          <p:cNvSpPr>
+            <a:spLocks noGrp="1"/>
+          </p:cNvSpPr>
+          <p:nvPr>
+            <p:ph type="title"/>
+          </p:nvPr>
+        </p:nvSpPr>
+        <p:spPr/>
+        <p:txBody>
+          <a:bodyPr/>
+          <a:lstStyle/>
+          <a:p>
+            <a:r>
+              <a:rPr lang="en-US" dirty="0"/>
+              <a:t>Partial derivatives</a:t>
+            </a:r>
+          </a:p>
+        </p:txBody>
+      </p:sp>
+      <p:sp>
+        <p:nvSpPr>
+          <p:cNvPr id="3" name="Content Placeholder 2">
+            <a:extLst>
+              <a:ext uri="{FF2B5EF4-FFF2-40B4-BE49-F238E27FC236}">
+                <a16:creationId xmlns:a16="http://schemas.microsoft.com/office/drawing/2014/main" id="{67916D83-6A3E-FA77-B8F5-C853E82A7C38}"/>
+              </a:ext>
+            </a:extLst>
+          </p:cNvPr>
+          <p:cNvSpPr>
+            <a:spLocks noGrp="1"/>
+          </p:cNvSpPr>
+          <p:nvPr>
+            <p:ph idx="1"/>
+          </p:nvPr>
+        </p:nvSpPr>
+        <p:spPr>
+          <a:xfrm>
+            <a:off x="1451579" y="2015732"/>
+            <a:ext cx="10165798" cy="4037749"/>
+          </a:xfrm>
         </p:spPr>
-      </p:pic>
+        <p:txBody>
+          <a:bodyPr/>
+          <a:lstStyle/>
+          <a:p>
+            <a:r>
+              <a:rPr lang="en-US" dirty="0"/>
+              <a:t>The key mathematical concept in making backpropagation work is the partial derivative. </a:t>
+            </a:r>
+          </a:p>
+          <a:p>
+            <a:r>
+              <a:rPr lang="en-US" dirty="0"/>
+              <a:t>Partial derivatives are gradients where there is more than 1 independent value. </a:t>
+            </a:r>
+          </a:p>
+          <a:p>
+            <a:pPr lvl="1"/>
+            <a:r>
+              <a:rPr lang="en-US" dirty="0"/>
+              <a:t>A derivative “with respect to” something means that thing can change, other parts are fixed. </a:t>
+            </a:r>
+          </a:p>
+          <a:p>
+            <a:pPr lvl="1"/>
+            <a:r>
+              <a:rPr lang="en-US" dirty="0"/>
+              <a:t>A.k.a. how much does this change as the </a:t>
+            </a:r>
+            <a:r>
+              <a:rPr lang="en-US" dirty="0" err="1"/>
+              <a:t>w.r.t.</a:t>
+            </a:r>
+            <a:r>
+              <a:rPr lang="en-US" dirty="0"/>
+              <a:t> part changes. </a:t>
+            </a:r>
+          </a:p>
+          <a:p>
+            <a:pPr lvl="1"/>
+            <a:r>
+              <a:rPr lang="en-US" dirty="0"/>
+              <a:t>We get the gradient of each “term” (weight*feature) – the feature is fixed. This is the adjustment. </a:t>
+            </a:r>
+          </a:p>
+          <a:p>
+            <a:r>
+              <a:rPr lang="en-US" dirty="0"/>
+              <a:t>For our backpropagation. </a:t>
+            </a:r>
+          </a:p>
+          <a:p>
+            <a:pPr lvl="1"/>
+            <a:r>
+              <a:rPr lang="en-US" dirty="0"/>
+              <a:t>End up with the error of a prediction. </a:t>
+            </a:r>
+          </a:p>
+          <a:p>
+            <a:pPr lvl="1"/>
+            <a:r>
+              <a:rPr lang="en-US" dirty="0"/>
+              <a:t>Take the partial derivative of the error </a:t>
+            </a:r>
+            <a:r>
+              <a:rPr lang="en-US" dirty="0" err="1"/>
+              <a:t>w.r.t.</a:t>
+            </a:r>
+            <a:r>
+              <a:rPr lang="en-US" dirty="0"/>
+              <a:t> each of the inputs. Repeat back each layer. </a:t>
+            </a:r>
+          </a:p>
+          <a:p>
+            <a:pPr lvl="1"/>
+            <a:r>
+              <a:rPr lang="en-US" dirty="0"/>
+              <a:t>Adjust each weight/bias ”down” the gradient – our partial derivative tells us direction. </a:t>
+            </a:r>
+          </a:p>
+        </p:txBody>
+      </p:sp>
     </p:spTree>
     <p:extLst>
       <p:ext uri="{BB962C8B-B14F-4D97-AF65-F5344CB8AC3E}">
-        <p14:creationId xmlns:p14="http://schemas.microsoft.com/office/powerpoint/2010/main" val="3716575070"/>
+        <p14:creationId xmlns:p14="http://schemas.microsoft.com/office/powerpoint/2010/main" val="1796402998"/>
       </p:ext>
     </p:extLst>
   </p:cSld>
@@ -7733,7 +7771,7 @@
           <p:cNvPr id="2" name="Title 1">
             <a:extLst>
               <a:ext uri="{FF2B5EF4-FFF2-40B4-BE49-F238E27FC236}">
-                <a16:creationId xmlns:a16="http://schemas.microsoft.com/office/drawing/2014/main" id="{151E316E-0810-941B-8077-7CDD0996F795}"/>
+                <a16:creationId xmlns:a16="http://schemas.microsoft.com/office/drawing/2014/main" id="{701E8847-801A-3FB4-4ECC-335D2A087B9A}"/>
               </a:ext>
             </a:extLst>
           </p:cNvPr>
@@ -7758,7 +7796,7 @@
           <a:p>
             <a:r>
               <a:rPr lang="en-US" dirty="0"/>
-              <a:t>Backwards Propagation</a:t>
+              <a:t>Gradient Descent Recap</a:t>
             </a:r>
           </a:p>
         </p:txBody>
@@ -7768,7 +7806,7 @@
           <p:cNvPr id="3" name="Content Placeholder 2">
             <a:extLst>
               <a:ext uri="{FF2B5EF4-FFF2-40B4-BE49-F238E27FC236}">
-                <a16:creationId xmlns:a16="http://schemas.microsoft.com/office/drawing/2014/main" id="{5519BD7A-EE58-2F49-DF75-89E918BD6387}"/>
+                <a16:creationId xmlns:a16="http://schemas.microsoft.com/office/drawing/2014/main" id="{2E52D4D5-6DFD-554C-5863-A305FBA62BF4}"/>
               </a:ext>
             </a:extLst>
           </p:cNvPr>
@@ -7781,8 +7819,8 @@
         </p:nvSpPr>
         <p:spPr>
           <a:xfrm>
-            <a:off x="1" y="2015734"/>
-            <a:ext cx="5614134" cy="4037747"/>
+            <a:off x="284813" y="2015734"/>
+            <a:ext cx="5044077" cy="4037747"/>
           </a:xfrm>
         </p:spPr>
         <p:txBody>
@@ -7793,108 +7831,76 @@
           <a:p>
             <a:r>
               <a:rPr lang="en-US" dirty="0"/>
-              <a:t>Backwards propagation is also some linear algebra, with derivatives. </a:t>
-            </a:r>
-          </a:p>
-          <a:p>
-            <a:r>
-              <a:rPr lang="en-US" dirty="0"/>
-              <a:t>We take the “derivative of error </a:t>
-            </a:r>
-            <a:r>
-              <a:rPr lang="en-US" dirty="0" err="1"/>
-              <a:t>w.r.t.</a:t>
-            </a:r>
-            <a:r>
-              <a:rPr lang="en-US" dirty="0"/>
-              <a:t> each weight and bias”. </a:t>
-            </a:r>
-          </a:p>
-          <a:p>
-            <a:pPr lvl="1"/>
-            <a:r>
-              <a:rPr lang="en-US" dirty="0"/>
-              <a:t>A.k.a. how much does this error change for a change in the weight?</a:t>
-            </a:r>
-          </a:p>
-          <a:p>
-            <a:r>
-              <a:rPr lang="en-US" dirty="0"/>
-              <a:t>Each layer of weights is adjusted in reverse. </a:t>
-            </a:r>
-          </a:p>
-          <a:p>
-            <a:r>
-              <a:rPr lang="en-US" dirty="0"/>
-              <a:t>The chain rule is the tool that makes this “easy”. </a:t>
-            </a:r>
+              <a:t>The gradient is the derivative of the cost function. </a:t>
+            </a:r>
+          </a:p>
+          <a:p>
+            <a:r>
+              <a:rPr lang="en-US" dirty="0"/>
+              <a:t>We adjust the weight to try to minimize that cost. </a:t>
+            </a:r>
+          </a:p>
+          <a:p>
+            <a:r>
+              <a:rPr lang="en-US" dirty="0"/>
+              <a:t>The gradient (slope) gives us direction to adjust (pos/neg tells us). </a:t>
+            </a:r>
+          </a:p>
+          <a:p>
+            <a:endParaRPr lang="en-US" dirty="0"/>
           </a:p>
         </p:txBody>
       </p:sp>
       <p:pic>
         <p:nvPicPr>
-          <p:cNvPr id="5" name="Picture 4">
+          <p:cNvPr id="5122" name="Picture 2" descr="Gradient Descent in Machine Learning - Javatpoint">
             <a:extLst>
               <a:ext uri="{FF2B5EF4-FFF2-40B4-BE49-F238E27FC236}">
-                <a16:creationId xmlns:a16="http://schemas.microsoft.com/office/drawing/2014/main" id="{4FB0ED13-B46C-1B21-C3BD-B60BA037BED6}"/>
+                <a16:creationId xmlns:a16="http://schemas.microsoft.com/office/drawing/2014/main" id="{FD40F101-662C-5928-B530-CAA1BB0C3F85}"/>
               </a:ext>
             </a:extLst>
           </p:cNvPr>
           <p:cNvPicPr>
-            <a:picLocks noChangeAspect="1"/>
+            <a:picLocks noChangeAspect="1" noChangeArrowheads="1"/>
           </p:cNvPicPr>
           <p:nvPr/>
         </p:nvPicPr>
         <p:blipFill>
-          <a:blip r:embed="rId2"/>
+          <a:blip r:embed="rId2">
+            <a:extLst>
+              <a:ext uri="{28A0092B-C50C-407E-A947-70E740481C1C}">
+                <a14:useLocalDpi xmlns:a14="http://schemas.microsoft.com/office/drawing/2010/main" val="0"/>
+              </a:ext>
+            </a:extLst>
+          </a:blip>
           <a:stretch>
             <a:fillRect/>
           </a:stretch>
         </p:blipFill>
-        <p:spPr>
-          <a:xfrm>
-            <a:off x="5724823" y="2237847"/>
-            <a:ext cx="6467177" cy="3815634"/>
+        <p:spPr bwMode="auto">
+          <a:xfrm>
+            <a:off x="5328890" y="2015734"/>
+            <a:ext cx="6794069" cy="4090028"/>
           </a:xfrm>
           <a:prstGeom prst="rect">
             <a:avLst/>
           </a:prstGeom>
-        </p:spPr>
-      </p:pic>
-      <p:pic>
-        <p:nvPicPr>
-          <p:cNvPr id="6" name="Picture 5">
-            <a:extLst>
-              <a:ext uri="{FF2B5EF4-FFF2-40B4-BE49-F238E27FC236}">
-                <a16:creationId xmlns:a16="http://schemas.microsoft.com/office/drawing/2014/main" id="{69E679CE-1611-1E05-DF81-7C5EAA8C8AC5}"/>
-              </a:ext>
-            </a:extLst>
-          </p:cNvPr>
-          <p:cNvPicPr>
-            <a:picLocks noChangeAspect="1"/>
-          </p:cNvPicPr>
-          <p:nvPr/>
-        </p:nvPicPr>
-        <p:blipFill>
-          <a:blip r:embed="rId3"/>
-          <a:stretch>
-            <a:fillRect/>
-          </a:stretch>
-        </p:blipFill>
-        <p:spPr>
-          <a:xfrm>
-            <a:off x="7591269" y="420425"/>
-            <a:ext cx="4450829" cy="1817422"/>
-          </a:xfrm>
-          <a:prstGeom prst="rect">
-            <a:avLst/>
-          </a:prstGeom>
+          <a:noFill/>
+          <a:extLst>
+            <a:ext uri="{909E8E84-426E-40DD-AFC4-6F175D3DCCD1}">
+              <a14:hiddenFill xmlns:a14="http://schemas.microsoft.com/office/drawing/2010/main">
+                <a:solidFill>
+                  <a:srgbClr val="FFFFFF"/>
+                </a:solidFill>
+              </a14:hiddenFill>
+            </a:ext>
+          </a:extLst>
         </p:spPr>
       </p:pic>
     </p:spTree>
     <p:extLst>
       <p:ext uri="{BB962C8B-B14F-4D97-AF65-F5344CB8AC3E}">
-        <p14:creationId xmlns:p14="http://schemas.microsoft.com/office/powerpoint/2010/main" val="515272550"/>
+        <p14:creationId xmlns:p14="http://schemas.microsoft.com/office/powerpoint/2010/main" val="1503821483"/>
       </p:ext>
     </p:extLst>
   </p:cSld>
@@ -7905,6 +7911,81 @@
 </file>
 
 <file path=ppt/slides/slide33.xml><?xml version="1.0" encoding="utf-8"?>
+<p:sld xmlns:a="http://schemas.openxmlformats.org/drawingml/2006/main" xmlns:r="http://schemas.openxmlformats.org/officeDocument/2006/relationships" xmlns:p="http://schemas.openxmlformats.org/presentationml/2006/main">
+  <p:cSld>
+    <p:spTree>
+      <p:nvGrpSpPr>
+        <p:cNvPr id="1" name=""/>
+        <p:cNvGrpSpPr/>
+        <p:nvPr/>
+      </p:nvGrpSpPr>
+      <p:grpSpPr>
+        <a:xfrm>
+          <a:off x="0" y="0"/>
+          <a:ext cx="0" cy="0"/>
+          <a:chOff x="0" y="0"/>
+          <a:chExt cx="0" cy="0"/>
+        </a:xfrm>
+      </p:grpSpPr>
+      <p:pic>
+        <p:nvPicPr>
+          <p:cNvPr id="4098" name="Picture 2" descr="Partial Derivative (Fully Explained w/ Step-by-Step Examples!)">
+            <a:extLst>
+              <a:ext uri="{FF2B5EF4-FFF2-40B4-BE49-F238E27FC236}">
+                <a16:creationId xmlns:a16="http://schemas.microsoft.com/office/drawing/2014/main" id="{9D010966-2752-6B46-5F60-EA1557955BF4}"/>
+              </a:ext>
+            </a:extLst>
+          </p:cNvPr>
+          <p:cNvPicPr>
+            <a:picLocks noChangeAspect="1" noChangeArrowheads="1"/>
+          </p:cNvPicPr>
+          <p:nvPr/>
+        </p:nvPicPr>
+        <p:blipFill rotWithShape="1">
+          <a:blip r:embed="rId2">
+            <a:extLst>
+              <a:ext uri="{28A0092B-C50C-407E-A947-70E740481C1C}">
+                <a14:useLocalDpi xmlns:a14="http://schemas.microsoft.com/office/drawing/2010/main" val="0"/>
+              </a:ext>
+            </a:extLst>
+          </a:blip>
+          <a:srcRect l="7377" t="9399" r="6804" b="10164"/>
+          <a:stretch/>
+        </p:blipFill>
+        <p:spPr bwMode="auto">
+          <a:xfrm>
+            <a:off x="257331" y="0"/>
+            <a:ext cx="11677338" cy="6156533"/>
+          </a:xfrm>
+          <a:prstGeom prst="rect">
+            <a:avLst/>
+          </a:prstGeom>
+          <a:noFill/>
+          <a:extLst>
+            <a:ext uri="{909E8E84-426E-40DD-AFC4-6F175D3DCCD1}">
+              <a14:hiddenFill xmlns:a14="http://schemas.microsoft.com/office/drawing/2010/main">
+                <a:solidFill>
+                  <a:srgbClr val="FFFFFF"/>
+                </a:solidFill>
+              </a14:hiddenFill>
+            </a:ext>
+          </a:extLst>
+        </p:spPr>
+      </p:pic>
+    </p:spTree>
+    <p:extLst>
+      <p:ext uri="{BB962C8B-B14F-4D97-AF65-F5344CB8AC3E}">
+        <p14:creationId xmlns:p14="http://schemas.microsoft.com/office/powerpoint/2010/main" val="3716575070"/>
+      </p:ext>
+    </p:extLst>
+  </p:cSld>
+  <p:clrMapOvr>
+    <a:masterClrMapping/>
+  </p:clrMapOvr>
+</p:sld>
+</file>
+
+<file path=ppt/slides/slide34.xml><?xml version="1.0" encoding="utf-8"?>
 <p:sld xmlns:a="http://schemas.openxmlformats.org/drawingml/2006/main" xmlns:r="http://schemas.openxmlformats.org/officeDocument/2006/relationships" xmlns:p="http://schemas.openxmlformats.org/presentationml/2006/main">
   <p:cSld>
     <p:bg>
@@ -7950,6 +8031,223 @@
           <p:cNvPr id="2" name="Title 1">
             <a:extLst>
               <a:ext uri="{FF2B5EF4-FFF2-40B4-BE49-F238E27FC236}">
+                <a16:creationId xmlns:a16="http://schemas.microsoft.com/office/drawing/2014/main" id="{151E316E-0810-941B-8077-7CDD0996F795}"/>
+              </a:ext>
+            </a:extLst>
+          </p:cNvPr>
+          <p:cNvSpPr>
+            <a:spLocks noGrp="1"/>
+          </p:cNvSpPr>
+          <p:nvPr>
+            <p:ph type="title"/>
+          </p:nvPr>
+        </p:nvSpPr>
+        <p:spPr>
+          <a:xfrm>
+            <a:off x="1451579" y="804519"/>
+            <a:ext cx="9603275" cy="1049235"/>
+          </a:xfrm>
+        </p:spPr>
+        <p:txBody>
+          <a:bodyPr>
+            <a:normAutofit/>
+          </a:bodyPr>
+          <a:lstStyle/>
+          <a:p>
+            <a:r>
+              <a:rPr lang="en-US" dirty="0"/>
+              <a:t>Backwards Propagation</a:t>
+            </a:r>
+          </a:p>
+        </p:txBody>
+      </p:sp>
+      <p:sp>
+        <p:nvSpPr>
+          <p:cNvPr id="3" name="Content Placeholder 2">
+            <a:extLst>
+              <a:ext uri="{FF2B5EF4-FFF2-40B4-BE49-F238E27FC236}">
+                <a16:creationId xmlns:a16="http://schemas.microsoft.com/office/drawing/2014/main" id="{5519BD7A-EE58-2F49-DF75-89E918BD6387}"/>
+              </a:ext>
+            </a:extLst>
+          </p:cNvPr>
+          <p:cNvSpPr>
+            <a:spLocks noGrp="1"/>
+          </p:cNvSpPr>
+          <p:nvPr>
+            <p:ph idx="1"/>
+          </p:nvPr>
+        </p:nvSpPr>
+        <p:spPr>
+          <a:xfrm>
+            <a:off x="1" y="2015734"/>
+            <a:ext cx="5614134" cy="4037747"/>
+          </a:xfrm>
+        </p:spPr>
+        <p:txBody>
+          <a:bodyPr>
+            <a:normAutofit/>
+          </a:bodyPr>
+          <a:lstStyle/>
+          <a:p>
+            <a:r>
+              <a:rPr lang="en-US" dirty="0"/>
+              <a:t>Backwards propagation is also some linear algebra, with derivatives. </a:t>
+            </a:r>
+          </a:p>
+          <a:p>
+            <a:r>
+              <a:rPr lang="en-US" dirty="0"/>
+              <a:t>We take the “derivative of error </a:t>
+            </a:r>
+            <a:r>
+              <a:rPr lang="en-US" dirty="0" err="1"/>
+              <a:t>w.r.t.</a:t>
+            </a:r>
+            <a:r>
+              <a:rPr lang="en-US" dirty="0"/>
+              <a:t> each weight and bias”. </a:t>
+            </a:r>
+          </a:p>
+          <a:p>
+            <a:pPr lvl="1"/>
+            <a:r>
+              <a:rPr lang="en-US" dirty="0"/>
+              <a:t>A.k.a. how much does this error change for a change in the weight?</a:t>
+            </a:r>
+          </a:p>
+          <a:p>
+            <a:r>
+              <a:rPr lang="en-US" dirty="0"/>
+              <a:t>Each layer of weights is adjusted in reverse. </a:t>
+            </a:r>
+          </a:p>
+          <a:p>
+            <a:r>
+              <a:rPr lang="en-US" dirty="0"/>
+              <a:t>The chain rule is the tool that makes this “easy”. </a:t>
+            </a:r>
+          </a:p>
+        </p:txBody>
+      </p:sp>
+      <p:pic>
+        <p:nvPicPr>
+          <p:cNvPr id="5" name="Picture 4">
+            <a:extLst>
+              <a:ext uri="{FF2B5EF4-FFF2-40B4-BE49-F238E27FC236}">
+                <a16:creationId xmlns:a16="http://schemas.microsoft.com/office/drawing/2014/main" id="{4FB0ED13-B46C-1B21-C3BD-B60BA037BED6}"/>
+              </a:ext>
+            </a:extLst>
+          </p:cNvPr>
+          <p:cNvPicPr>
+            <a:picLocks noChangeAspect="1"/>
+          </p:cNvPicPr>
+          <p:nvPr/>
+        </p:nvPicPr>
+        <p:blipFill>
+          <a:blip r:embed="rId2"/>
+          <a:stretch>
+            <a:fillRect/>
+          </a:stretch>
+        </p:blipFill>
+        <p:spPr>
+          <a:xfrm>
+            <a:off x="5724823" y="2237847"/>
+            <a:ext cx="6467177" cy="3815634"/>
+          </a:xfrm>
+          <a:prstGeom prst="rect">
+            <a:avLst/>
+          </a:prstGeom>
+        </p:spPr>
+      </p:pic>
+      <p:pic>
+        <p:nvPicPr>
+          <p:cNvPr id="6" name="Picture 5">
+            <a:extLst>
+              <a:ext uri="{FF2B5EF4-FFF2-40B4-BE49-F238E27FC236}">
+                <a16:creationId xmlns:a16="http://schemas.microsoft.com/office/drawing/2014/main" id="{69E679CE-1611-1E05-DF81-7C5EAA8C8AC5}"/>
+              </a:ext>
+            </a:extLst>
+          </p:cNvPr>
+          <p:cNvPicPr>
+            <a:picLocks noChangeAspect="1"/>
+          </p:cNvPicPr>
+          <p:nvPr/>
+        </p:nvPicPr>
+        <p:blipFill>
+          <a:blip r:embed="rId3"/>
+          <a:stretch>
+            <a:fillRect/>
+          </a:stretch>
+        </p:blipFill>
+        <p:spPr>
+          <a:xfrm>
+            <a:off x="7591269" y="420425"/>
+            <a:ext cx="4450829" cy="1817422"/>
+          </a:xfrm>
+          <a:prstGeom prst="rect">
+            <a:avLst/>
+          </a:prstGeom>
+        </p:spPr>
+      </p:pic>
+    </p:spTree>
+    <p:extLst>
+      <p:ext uri="{BB962C8B-B14F-4D97-AF65-F5344CB8AC3E}">
+        <p14:creationId xmlns:p14="http://schemas.microsoft.com/office/powerpoint/2010/main" val="515272550"/>
+      </p:ext>
+    </p:extLst>
+  </p:cSld>
+  <p:clrMapOvr>
+    <a:masterClrMapping/>
+  </p:clrMapOvr>
+</p:sld>
+</file>
+
+<file path=ppt/slides/slide35.xml><?xml version="1.0" encoding="utf-8"?>
+<p:sld xmlns:a="http://schemas.openxmlformats.org/drawingml/2006/main" xmlns:r="http://schemas.openxmlformats.org/officeDocument/2006/relationships" xmlns:p="http://schemas.openxmlformats.org/presentationml/2006/main">
+  <p:cSld>
+    <p:bg>
+      <p:bgPr>
+        <a:gradFill rotWithShape="1">
+          <a:gsLst>
+            <a:gs pos="0">
+              <a:schemeClr val="bg2">
+                <a:tint val="94000"/>
+                <a:satMod val="80000"/>
+                <a:lumMod val="106000"/>
+              </a:schemeClr>
+            </a:gs>
+            <a:gs pos="100000">
+              <a:schemeClr val="bg2">
+                <a:shade val="80000"/>
+              </a:schemeClr>
+            </a:gs>
+          </a:gsLst>
+          <a:path path="circle">
+            <a:fillToRect l="43000" r="43000" b="100000"/>
+          </a:path>
+        </a:gradFill>
+        <a:effectLst/>
+      </p:bgPr>
+    </p:bg>
+    <p:spTree>
+      <p:nvGrpSpPr>
+        <p:cNvPr id="1" name=""/>
+        <p:cNvGrpSpPr/>
+        <p:nvPr/>
+      </p:nvGrpSpPr>
+      <p:grpSpPr>
+        <a:xfrm>
+          <a:off x="0" y="0"/>
+          <a:ext cx="0" cy="0"/>
+          <a:chOff x="0" y="0"/>
+          <a:chExt cx="0" cy="0"/>
+        </a:xfrm>
+      </p:grpSpPr>
+      <p:sp>
+        <p:nvSpPr>
+          <p:cNvPr id="2" name="Title 1">
+            <a:extLst>
+              <a:ext uri="{FF2B5EF4-FFF2-40B4-BE49-F238E27FC236}">
                 <a16:creationId xmlns:a16="http://schemas.microsoft.com/office/drawing/2014/main" id="{D636AC76-C8F4-A1B6-3A42-40BD71B6D457}"/>
               </a:ext>
             </a:extLst>
@@ -8100,7 +8398,7 @@
 </p:sld>
 </file>
 
-<file path=ppt/slides/slide34.xml><?xml version="1.0" encoding="utf-8"?>
+<file path=ppt/slides/slide36.xml><?xml version="1.0" encoding="utf-8"?>
 <p:sld xmlns:a="http://schemas.openxmlformats.org/drawingml/2006/main" xmlns:r="http://schemas.openxmlformats.org/officeDocument/2006/relationships" xmlns:p="http://schemas.openxmlformats.org/presentationml/2006/main">
   <p:cSld>
     <p:spTree>
@@ -8236,7 +8534,7 @@
 </p:sld>
 </file>
 
-<file path=ppt/slides/slide35.xml><?xml version="1.0" encoding="utf-8"?>
+<file path=ppt/slides/slide37.xml><?xml version="1.0" encoding="utf-8"?>
 <p:sld xmlns:a="http://schemas.openxmlformats.org/drawingml/2006/main" xmlns:r="http://schemas.openxmlformats.org/officeDocument/2006/relationships" xmlns:p="http://schemas.openxmlformats.org/presentationml/2006/main">
   <p:cSld>
     <p:spTree>
@@ -8381,7 +8679,7 @@
 </p:sld>
 </file>
 
-<file path=ppt/slides/slide36.xml><?xml version="1.0" encoding="utf-8"?>
+<file path=ppt/slides/slide38.xml><?xml version="1.0" encoding="utf-8"?>
 <p:sld xmlns:a="http://schemas.openxmlformats.org/drawingml/2006/main" xmlns:r="http://schemas.openxmlformats.org/officeDocument/2006/relationships" xmlns:p="http://schemas.openxmlformats.org/presentationml/2006/main">
   <p:cSld>
     <p:spTree>
@@ -8530,7 +8828,7 @@
 </p:sld>
 </file>
 
-<file path=ppt/slides/slide37.xml><?xml version="1.0" encoding="utf-8"?>
+<file path=ppt/slides/slide39.xml><?xml version="1.0" encoding="utf-8"?>
 <p:sld xmlns:a="http://schemas.openxmlformats.org/drawingml/2006/main" xmlns:r="http://schemas.openxmlformats.org/officeDocument/2006/relationships" xmlns:p="http://schemas.openxmlformats.org/presentationml/2006/main">
   <p:cSld>
     <p:spTree>
@@ -8703,168 +9001,6 @@
 </p:sld>
 </file>
 
-<file path=ppt/slides/slide38.xml><?xml version="1.0" encoding="utf-8"?>
-<p:sld xmlns:a="http://schemas.openxmlformats.org/drawingml/2006/main" xmlns:r="http://schemas.openxmlformats.org/officeDocument/2006/relationships" xmlns:p="http://schemas.openxmlformats.org/presentationml/2006/main">
-  <p:cSld>
-    <p:spTree>
-      <p:nvGrpSpPr>
-        <p:cNvPr id="1" name=""/>
-        <p:cNvGrpSpPr/>
-        <p:nvPr/>
-      </p:nvGrpSpPr>
-      <p:grpSpPr>
-        <a:xfrm>
-          <a:off x="0" y="0"/>
-          <a:ext cx="0" cy="0"/>
-          <a:chOff x="0" y="0"/>
-          <a:chExt cx="0" cy="0"/>
-        </a:xfrm>
-      </p:grpSpPr>
-      <p:sp>
-        <p:nvSpPr>
-          <p:cNvPr id="2" name="Title 1">
-            <a:extLst>
-              <a:ext uri="{FF2B5EF4-FFF2-40B4-BE49-F238E27FC236}">
-                <a16:creationId xmlns:a16="http://schemas.microsoft.com/office/drawing/2014/main" id="{BEF20CCA-FACF-6742-A0DE-18FA74BF26C0}"/>
-              </a:ext>
-            </a:extLst>
-          </p:cNvPr>
-          <p:cNvSpPr>
-            <a:spLocks noGrp="1"/>
-          </p:cNvSpPr>
-          <p:nvPr>
-            <p:ph type="title"/>
-          </p:nvPr>
-        </p:nvSpPr>
-        <p:spPr/>
-        <p:txBody>
-          <a:bodyPr/>
-          <a:lstStyle/>
-          <a:p>
-            <a:r>
-              <a:rPr lang="en-US" dirty="0"/>
-              <a:t>Conclusion</a:t>
-            </a:r>
-          </a:p>
-        </p:txBody>
-      </p:sp>
-      <p:sp>
-        <p:nvSpPr>
-          <p:cNvPr id="3" name="Content Placeholder 2">
-            <a:extLst>
-              <a:ext uri="{FF2B5EF4-FFF2-40B4-BE49-F238E27FC236}">
-                <a16:creationId xmlns:a16="http://schemas.microsoft.com/office/drawing/2014/main" id="{68D0A934-96FD-D146-A8B0-7E6DD6F6994F}"/>
-              </a:ext>
-            </a:extLst>
-          </p:cNvPr>
-          <p:cNvSpPr>
-            <a:spLocks noGrp="1"/>
-          </p:cNvSpPr>
-          <p:nvPr>
-            <p:ph idx="1"/>
-          </p:nvPr>
-        </p:nvSpPr>
-        <p:spPr>
-          <a:xfrm>
-            <a:off x="1451579" y="1853754"/>
-            <a:ext cx="9603275" cy="4199727"/>
-          </a:xfrm>
-        </p:spPr>
-        <p:txBody>
-          <a:bodyPr>
-            <a:normAutofit lnSpcReduction="10000"/>
-          </a:bodyPr>
-          <a:lstStyle/>
-          <a:p>
-            <a:r>
-              <a:rPr lang="en-US" dirty="0"/>
-              <a:t>To make sense of how a neural network functions, it is good to look at the detail a little. </a:t>
-            </a:r>
-          </a:p>
-          <a:p>
-            <a:r>
-              <a:rPr lang="en-US" dirty="0"/>
-              <a:t>In practice we’ll use libraries (</a:t>
-            </a:r>
-            <a:r>
-              <a:rPr lang="en-US" dirty="0" err="1"/>
-              <a:t>Keras</a:t>
-            </a:r>
-            <a:r>
-              <a:rPr lang="en-US" dirty="0"/>
-              <a:t>/</a:t>
-            </a:r>
-            <a:r>
-              <a:rPr lang="en-US" dirty="0" err="1"/>
-              <a:t>Tensorflow</a:t>
-            </a:r>
-            <a:r>
-              <a:rPr lang="en-US" dirty="0"/>
-              <a:t>) to make it easier.</a:t>
-            </a:r>
-          </a:p>
-          <a:p>
-            <a:r>
-              <a:rPr lang="en-US" dirty="0"/>
-              <a:t>Key points that we need to be comfortable with:</a:t>
-            </a:r>
-          </a:p>
-          <a:p>
-            <a:pPr lvl="1"/>
-            <a:r>
-              <a:rPr lang="en-US" dirty="0"/>
-              <a:t>Data shape to feed the network. </a:t>
-            </a:r>
-          </a:p>
-          <a:p>
-            <a:pPr lvl="1"/>
-            <a:r>
-              <a:rPr lang="en-US" dirty="0"/>
-              <a:t>Layers and neurons – size and function, not math. </a:t>
-            </a:r>
-          </a:p>
-          <a:p>
-            <a:pPr lvl="1"/>
-            <a:r>
-              <a:rPr lang="en-US" dirty="0"/>
-              <a:t>Errors and loss. </a:t>
-            </a:r>
-          </a:p>
-          <a:p>
-            <a:r>
-              <a:rPr lang="en-US" dirty="0"/>
-              <a:t>Neural networks tend to rely more on allowing more training loops (epochs) than any other model type to fit to the data well. </a:t>
-            </a:r>
-          </a:p>
-          <a:p>
-            <a:pPr lvl="1"/>
-            <a:r>
-              <a:rPr lang="en-US" dirty="0"/>
-              <a:t>The amount of “fitting” with large models is very high, and that takes time. </a:t>
-            </a:r>
-          </a:p>
-          <a:p>
-            <a:pPr lvl="1"/>
-            <a:r>
-              <a:rPr lang="en-US" dirty="0"/>
-              <a:t>We end up with very large matrices of weights (~layer 1 size * layer 2 size * # layers)</a:t>
-            </a:r>
-          </a:p>
-        </p:txBody>
-      </p:sp>
-    </p:spTree>
-    <p:extLst>
-      <p:ext uri="{BB962C8B-B14F-4D97-AF65-F5344CB8AC3E}">
-        <p14:creationId xmlns:p14="http://schemas.microsoft.com/office/powerpoint/2010/main" val="3156778227"/>
-      </p:ext>
-    </p:extLst>
-  </p:cSld>
-  <p:clrMapOvr>
-    <a:masterClrMapping/>
-  </p:clrMapOvr>
-</p:sld>
-</file>
-
 <file path=ppt/slides/slide4.xml><?xml version="1.0" encoding="utf-8"?>
 <p:sld xmlns:a="http://schemas.openxmlformats.org/drawingml/2006/main" xmlns:r="http://schemas.openxmlformats.org/officeDocument/2006/relationships" xmlns:p="http://schemas.openxmlformats.org/presentationml/2006/main">
   <p:cSld>
@@ -8994,6 +9130,168 @@
     <p:extLst>
       <p:ext uri="{BB962C8B-B14F-4D97-AF65-F5344CB8AC3E}">
         <p14:creationId xmlns:p14="http://schemas.microsoft.com/office/powerpoint/2010/main" val="2736715576"/>
+      </p:ext>
+    </p:extLst>
+  </p:cSld>
+  <p:clrMapOvr>
+    <a:masterClrMapping/>
+  </p:clrMapOvr>
+</p:sld>
+</file>
+
+<file path=ppt/slides/slide40.xml><?xml version="1.0" encoding="utf-8"?>
+<p:sld xmlns:a="http://schemas.openxmlformats.org/drawingml/2006/main" xmlns:r="http://schemas.openxmlformats.org/officeDocument/2006/relationships" xmlns:p="http://schemas.openxmlformats.org/presentationml/2006/main">
+  <p:cSld>
+    <p:spTree>
+      <p:nvGrpSpPr>
+        <p:cNvPr id="1" name=""/>
+        <p:cNvGrpSpPr/>
+        <p:nvPr/>
+      </p:nvGrpSpPr>
+      <p:grpSpPr>
+        <a:xfrm>
+          <a:off x="0" y="0"/>
+          <a:ext cx="0" cy="0"/>
+          <a:chOff x="0" y="0"/>
+          <a:chExt cx="0" cy="0"/>
+        </a:xfrm>
+      </p:grpSpPr>
+      <p:sp>
+        <p:nvSpPr>
+          <p:cNvPr id="2" name="Title 1">
+            <a:extLst>
+              <a:ext uri="{FF2B5EF4-FFF2-40B4-BE49-F238E27FC236}">
+                <a16:creationId xmlns:a16="http://schemas.microsoft.com/office/drawing/2014/main" id="{BEF20CCA-FACF-6742-A0DE-18FA74BF26C0}"/>
+              </a:ext>
+            </a:extLst>
+          </p:cNvPr>
+          <p:cNvSpPr>
+            <a:spLocks noGrp="1"/>
+          </p:cNvSpPr>
+          <p:nvPr>
+            <p:ph type="title"/>
+          </p:nvPr>
+        </p:nvSpPr>
+        <p:spPr/>
+        <p:txBody>
+          <a:bodyPr/>
+          <a:lstStyle/>
+          <a:p>
+            <a:r>
+              <a:rPr lang="en-US" dirty="0"/>
+              <a:t>Conclusion</a:t>
+            </a:r>
+          </a:p>
+        </p:txBody>
+      </p:sp>
+      <p:sp>
+        <p:nvSpPr>
+          <p:cNvPr id="3" name="Content Placeholder 2">
+            <a:extLst>
+              <a:ext uri="{FF2B5EF4-FFF2-40B4-BE49-F238E27FC236}">
+                <a16:creationId xmlns:a16="http://schemas.microsoft.com/office/drawing/2014/main" id="{68D0A934-96FD-D146-A8B0-7E6DD6F6994F}"/>
+              </a:ext>
+            </a:extLst>
+          </p:cNvPr>
+          <p:cNvSpPr>
+            <a:spLocks noGrp="1"/>
+          </p:cNvSpPr>
+          <p:nvPr>
+            <p:ph idx="1"/>
+          </p:nvPr>
+        </p:nvSpPr>
+        <p:spPr>
+          <a:xfrm>
+            <a:off x="1451579" y="1853754"/>
+            <a:ext cx="9603275" cy="4199727"/>
+          </a:xfrm>
+        </p:spPr>
+        <p:txBody>
+          <a:bodyPr>
+            <a:normAutofit lnSpcReduction="10000"/>
+          </a:bodyPr>
+          <a:lstStyle/>
+          <a:p>
+            <a:r>
+              <a:rPr lang="en-US" dirty="0"/>
+              <a:t>To make sense of how a neural network functions, it is good to look at the detail a little. </a:t>
+            </a:r>
+          </a:p>
+          <a:p>
+            <a:r>
+              <a:rPr lang="en-US" dirty="0"/>
+              <a:t>In practice we’ll use libraries (</a:t>
+            </a:r>
+            <a:r>
+              <a:rPr lang="en-US" dirty="0" err="1"/>
+              <a:t>Keras</a:t>
+            </a:r>
+            <a:r>
+              <a:rPr lang="en-US" dirty="0"/>
+              <a:t>/</a:t>
+            </a:r>
+            <a:r>
+              <a:rPr lang="en-US" dirty="0" err="1"/>
+              <a:t>Tensorflow</a:t>
+            </a:r>
+            <a:r>
+              <a:rPr lang="en-US" dirty="0"/>
+              <a:t>) to make it easier.</a:t>
+            </a:r>
+          </a:p>
+          <a:p>
+            <a:r>
+              <a:rPr lang="en-US" dirty="0"/>
+              <a:t>Key points that we need to be comfortable with:</a:t>
+            </a:r>
+          </a:p>
+          <a:p>
+            <a:pPr lvl="1"/>
+            <a:r>
+              <a:rPr lang="en-US" dirty="0"/>
+              <a:t>Data shape to feed the network. </a:t>
+            </a:r>
+          </a:p>
+          <a:p>
+            <a:pPr lvl="1"/>
+            <a:r>
+              <a:rPr lang="en-US" dirty="0"/>
+              <a:t>Layers and neurons – size and function, not math. </a:t>
+            </a:r>
+          </a:p>
+          <a:p>
+            <a:pPr lvl="1"/>
+            <a:r>
+              <a:rPr lang="en-US" dirty="0"/>
+              <a:t>Errors and loss. </a:t>
+            </a:r>
+          </a:p>
+          <a:p>
+            <a:r>
+              <a:rPr lang="en-US" dirty="0"/>
+              <a:t>Neural networks tend to rely more on allowing more training loops (epochs) than any other model type to fit to the data well. </a:t>
+            </a:r>
+          </a:p>
+          <a:p>
+            <a:pPr lvl="1"/>
+            <a:r>
+              <a:rPr lang="en-US" dirty="0"/>
+              <a:t>The amount of “fitting” with large models is very high, and that takes time. </a:t>
+            </a:r>
+          </a:p>
+          <a:p>
+            <a:pPr lvl="1"/>
+            <a:r>
+              <a:rPr lang="en-US" dirty="0"/>
+              <a:t>We end up with very large matrices of weights (~layer 1 size * layer 2 size * # layers)</a:t>
+            </a:r>
+          </a:p>
+        </p:txBody>
+      </p:sp>
+    </p:spTree>
+    <p:extLst>
+      <p:ext uri="{BB962C8B-B14F-4D97-AF65-F5344CB8AC3E}">
+        <p14:creationId xmlns:p14="http://schemas.microsoft.com/office/powerpoint/2010/main" val="3156778227"/>
       </p:ext>
     </p:extLst>
   </p:cSld>
@@ -9665,7 +9963,7 @@
             <a:pPr lvl="1"/>
             <a:r>
               <a:rPr lang="en-US" dirty="0"/>
-              <a:t>Image and speech based problems have been revolutionized by modern neural networks. </a:t>
+              <a:t>Image and speech problems have been revolutionized by modern neural networks. </a:t>
             </a:r>
           </a:p>
           <a:p>

--- a/reference_content/Slides/simple_nn_basics.pptx
+++ b/reference_content/Slides/simple_nn_basics.pptx
@@ -3795,8 +3795,39 @@
           <a:p>
             <a:r>
               <a:rPr lang="en-US" dirty="0"/>
+              <a:t>Boosting review. </a:t>
+            </a:r>
+          </a:p>
+          <a:p>
+            <a:pPr lvl="1"/>
+            <a:r>
+              <a:rPr lang="en-US" dirty="0"/>
+              <a:t>Step by step walk through of a boost. </a:t>
+            </a:r>
+          </a:p>
+          <a:p>
+            <a:r>
+              <a:rPr lang="en-US" dirty="0"/>
               <a:t>Today – intro to neural networks. </a:t>
             </a:r>
+          </a:p>
+          <a:p>
+            <a:pPr lvl="1"/>
+            <a:r>
+              <a:rPr lang="en-US" dirty="0"/>
+              <a:t>Neural network parts, structure, and basic theory. </a:t>
+            </a:r>
+          </a:p>
+          <a:p>
+            <a:pPr lvl="1"/>
+            <a:r>
+              <a:rPr lang="en-US" dirty="0"/>
+              <a:t>Look at neural network made by hand. </a:t>
+            </a:r>
+          </a:p>
+          <a:p>
+            <a:pPr lvl="1"/>
+            <a:endParaRPr lang="en-US" dirty="0"/>
           </a:p>
         </p:txBody>
       </p:sp>
@@ -4679,6 +4710,26 @@
             </a:r>
           </a:p>
           <a:p>
+            <a:pPr lvl="1"/>
+            <a:r>
+              <a:rPr lang="en-US" dirty="0"/>
+              <a:t>We will need to make data into arrays in almost all cases before using it in neural networks, </a:t>
+            </a:r>
+            <a:r>
+              <a:rPr lang="en-US" dirty="0" err="1"/>
+              <a:t>dataframes</a:t>
+            </a:r>
+            <a:r>
+              <a:rPr lang="en-US" dirty="0"/>
+              <a:t> </a:t>
+            </a:r>
+            <a:r>
+              <a:rPr lang="en-US"/>
+              <a:t>are out. </a:t>
+            </a:r>
+            <a:endParaRPr lang="en-US" dirty="0"/>
+          </a:p>
+          <a:p>
             <a:r>
               <a:rPr lang="en-US" dirty="0"/>
               <a:t>Internal calculations frequently use tensor math. We don’t need all the details, but we do need to understand some of it. </a:t>
@@ -4715,7 +4766,7 @@
         </p:blipFill>
         <p:spPr bwMode="auto">
           <a:xfrm>
-            <a:off x="2605260" y="3611382"/>
+            <a:off x="2605260" y="3663263"/>
             <a:ext cx="6895339" cy="2442099"/>
           </a:xfrm>
           <a:prstGeom prst="rect">
@@ -6040,7 +6091,9 @@
           </a:xfrm>
         </p:spPr>
         <p:txBody>
-          <a:bodyPr/>
+          <a:bodyPr>
+            <a:normAutofit lnSpcReduction="10000"/>
+          </a:bodyPr>
           <a:lstStyle/>
           <a:p>
             <a:r>
@@ -6079,28 +6132,30 @@
             <a:pPr lvl="1"/>
             <a:r>
               <a:rPr lang="en-US" dirty="0"/>
-              <a:t>Each layer does a “boosting-</a:t>
+              <a:t>Kernel/bias transforms data to help model fit, layers learn to do so on the fly. (Kind of). </a:t>
+            </a:r>
+          </a:p>
+          <a:p>
+            <a:pPr lvl="1"/>
+            <a:r>
+              <a:rPr lang="en-US" dirty="0"/>
+              <a:t>We can think of these layers as generating new features for the next layer to predict. </a:t>
+            </a:r>
+          </a:p>
+          <a:p>
+            <a:pPr lvl="1"/>
+            <a:r>
+              <a:rPr lang="en-US" dirty="0"/>
+              <a:t>The final layer predicts from features it sees, made from features the prior layer sees, </a:t>
             </a:r>
             <a:r>
               <a:rPr lang="en-US" dirty="0" err="1"/>
-              <a:t>ish</a:t>
-            </a:r>
-            <a:r>
-              <a:rPr lang="en-US" dirty="0"/>
-              <a:t>” transformation to make the model better. </a:t>
-            </a:r>
-          </a:p>
-          <a:p>
-            <a:pPr lvl="1"/>
-            <a:r>
-              <a:rPr lang="en-US" dirty="0"/>
-              <a:t>We can think of these layers as generating new features for the next layer </a:t>
-            </a:r>
-            <a:r>
-              <a:rPr lang="en-US"/>
-              <a:t>to predict. </a:t>
-            </a:r>
-            <a:endParaRPr lang="en-US" dirty="0"/>
+              <a:t>etc</a:t>
+            </a:r>
+            <a:r>
+              <a:rPr lang="en-US" dirty="0"/>
+              <a:t>…</a:t>
+            </a:r>
           </a:p>
           <a:p>
             <a:r>
@@ -6206,7 +6261,7 @@
           <a:p>
             <a:r>
               <a:rPr lang="en-US" dirty="0"/>
-              <a:t>While a neural network can have any number of layers, two are standard. </a:t>
+              <a:t>While a neural network can have any number of layers, two are standard and required.  </a:t>
             </a:r>
           </a:p>
           <a:p>

--- a/reference_content/Slides/simple_nn_basics.pptx
+++ b/reference_content/Slides/simple_nn_basics.pptx
@@ -4721,13 +4721,8 @@
             </a:r>
             <a:r>
               <a:rPr lang="en-US" dirty="0"/>
-              <a:t> </a:t>
-            </a:r>
-            <a:r>
-              <a:rPr lang="en-US"/>
-              <a:t>are out. </a:t>
-            </a:r>
-            <a:endParaRPr lang="en-US" dirty="0"/>
+              <a:t> are out. </a:t>
+            </a:r>
           </a:p>
           <a:p>
             <a:r>
